--- a/BGUG-Spock.pptx
+++ b/BGUG-Spock.pptx
@@ -4,12 +4,22 @@
   <p:sldMasterIdLst>
     <p:sldMasterId id="2147483660" r:id="rId1"/>
   </p:sldMasterIdLst>
+  <p:notesMasterIdLst>
+    <p:notesMasterId r:id="rId14"/>
+  </p:notesMasterIdLst>
   <p:sldIdLst>
     <p:sldId id="256" r:id="rId2"/>
-    <p:sldId id="257" r:id="rId3"/>
-    <p:sldId id="258" r:id="rId4"/>
-    <p:sldId id="259" r:id="rId5"/>
-    <p:sldId id="260" r:id="rId6"/>
+    <p:sldId id="263" r:id="rId3"/>
+    <p:sldId id="257" r:id="rId4"/>
+    <p:sldId id="258" r:id="rId5"/>
+    <p:sldId id="264" r:id="rId6"/>
+    <p:sldId id="259" r:id="rId7"/>
+    <p:sldId id="261" r:id="rId8"/>
+    <p:sldId id="260" r:id="rId9"/>
+    <p:sldId id="262" r:id="rId10"/>
+    <p:sldId id="265" r:id="rId11"/>
+    <p:sldId id="266" r:id="rId12"/>
+    <p:sldId id="267" r:id="rId13"/>
   </p:sldIdLst>
   <p:sldSz cx="9144000" cy="6858000" type="screen4x3"/>
   <p:notesSz cx="6858000" cy="9144000"/>
@@ -111,6 +121,444 @@
 </p:presentation>
 </file>
 
+<file path=ppt/notesMasters/notesMaster1.xml><?xml version="1.0" encoding="utf-8"?>
+<p:notesMaster xmlns:a="http://schemas.openxmlformats.org/drawingml/2006/main" xmlns:r="http://schemas.openxmlformats.org/officeDocument/2006/relationships" xmlns:p="http://schemas.openxmlformats.org/presentationml/2006/main">
+  <p:cSld>
+    <p:bg>
+      <p:bgRef idx="1001">
+        <a:schemeClr val="bg1"/>
+      </p:bgRef>
+    </p:bg>
+    <p:spTree>
+      <p:nvGrpSpPr>
+        <p:cNvPr id="1" name=""/>
+        <p:cNvGrpSpPr/>
+        <p:nvPr/>
+      </p:nvGrpSpPr>
+      <p:grpSpPr>
+        <a:xfrm>
+          <a:off x="0" y="0"/>
+          <a:ext cx="0" cy="0"/>
+          <a:chOff x="0" y="0"/>
+          <a:chExt cx="0" cy="0"/>
+        </a:xfrm>
+      </p:grpSpPr>
+      <p:sp>
+        <p:nvSpPr>
+          <p:cNvPr id="2" name="Header Placeholder 1"/>
+          <p:cNvSpPr>
+            <a:spLocks noGrp="1"/>
+          </p:cNvSpPr>
+          <p:nvPr>
+            <p:ph type="hdr" sz="quarter"/>
+          </p:nvPr>
+        </p:nvSpPr>
+        <p:spPr>
+          <a:xfrm>
+            <a:off x="0" y="0"/>
+            <a:ext cx="2971800" cy="457200"/>
+          </a:xfrm>
+          <a:prstGeom prst="rect">
+            <a:avLst/>
+          </a:prstGeom>
+        </p:spPr>
+        <p:txBody>
+          <a:bodyPr vert="horz" lIns="91440" tIns="45720" rIns="91440" bIns="45720" rtlCol="0"/>
+          <a:lstStyle>
+            <a:lvl1pPr algn="l">
+              <a:defRPr sz="1200"/>
+            </a:lvl1pPr>
+          </a:lstStyle>
+          <a:p>
+            <a:endParaRPr lang="en-US"/>
+          </a:p>
+        </p:txBody>
+      </p:sp>
+      <p:sp>
+        <p:nvSpPr>
+          <p:cNvPr id="3" name="Date Placeholder 2"/>
+          <p:cNvSpPr>
+            <a:spLocks noGrp="1"/>
+          </p:cNvSpPr>
+          <p:nvPr>
+            <p:ph type="dt" idx="1"/>
+          </p:nvPr>
+        </p:nvSpPr>
+        <p:spPr>
+          <a:xfrm>
+            <a:off x="3884613" y="0"/>
+            <a:ext cx="2971800" cy="457200"/>
+          </a:xfrm>
+          <a:prstGeom prst="rect">
+            <a:avLst/>
+          </a:prstGeom>
+        </p:spPr>
+        <p:txBody>
+          <a:bodyPr vert="horz" lIns="91440" tIns="45720" rIns="91440" bIns="45720" rtlCol="0"/>
+          <a:lstStyle>
+            <a:lvl1pPr algn="r">
+              <a:defRPr sz="1200"/>
+            </a:lvl1pPr>
+          </a:lstStyle>
+          <a:p>
+            <a:fld id="{06813F45-8370-2641-9A45-E8E3D7D53AF1}" type="datetimeFigureOut">
+              <a:rPr lang="en-US" smtClean="0"/>
+              <a:t>3/28/12</a:t>
+            </a:fld>
+            <a:endParaRPr lang="en-US"/>
+          </a:p>
+        </p:txBody>
+      </p:sp>
+      <p:sp>
+        <p:nvSpPr>
+          <p:cNvPr id="4" name="Slide Image Placeholder 3"/>
+          <p:cNvSpPr>
+            <a:spLocks noGrp="1" noRot="1" noChangeAspect="1"/>
+          </p:cNvSpPr>
+          <p:nvPr>
+            <p:ph type="sldImg" idx="2"/>
+          </p:nvPr>
+        </p:nvSpPr>
+        <p:spPr>
+          <a:xfrm>
+            <a:off x="1143000" y="685800"/>
+            <a:ext cx="4572000" cy="3429000"/>
+          </a:xfrm>
+          <a:prstGeom prst="rect">
+            <a:avLst/>
+          </a:prstGeom>
+          <a:noFill/>
+          <a:ln w="12700">
+            <a:solidFill>
+              <a:prstClr val="black"/>
+            </a:solidFill>
+          </a:ln>
+        </p:spPr>
+        <p:txBody>
+          <a:bodyPr vert="horz" lIns="91440" tIns="45720" rIns="91440" bIns="45720" rtlCol="0" anchor="ctr"/>
+          <a:lstStyle/>
+          <a:p>
+            <a:endParaRPr lang="en-US"/>
+          </a:p>
+        </p:txBody>
+      </p:sp>
+      <p:sp>
+        <p:nvSpPr>
+          <p:cNvPr id="5" name="Notes Placeholder 4"/>
+          <p:cNvSpPr>
+            <a:spLocks noGrp="1"/>
+          </p:cNvSpPr>
+          <p:nvPr>
+            <p:ph type="body" sz="quarter" idx="3"/>
+          </p:nvPr>
+        </p:nvSpPr>
+        <p:spPr>
+          <a:xfrm>
+            <a:off x="685800" y="4343400"/>
+            <a:ext cx="5486400" cy="4114800"/>
+          </a:xfrm>
+          <a:prstGeom prst="rect">
+            <a:avLst/>
+          </a:prstGeom>
+        </p:spPr>
+        <p:txBody>
+          <a:bodyPr vert="horz" lIns="91440" tIns="45720" rIns="91440" bIns="45720" rtlCol="0"/>
+          <a:lstStyle/>
+          <a:p>
+            <a:pPr lvl="0"/>
+            <a:r>
+              <a:rPr lang="en-US" smtClean="0"/>
+              <a:t>Click to edit Master text styles</a:t>
+            </a:r>
+          </a:p>
+          <a:p>
+            <a:pPr lvl="1"/>
+            <a:r>
+              <a:rPr lang="en-US" smtClean="0"/>
+              <a:t>Second level</a:t>
+            </a:r>
+          </a:p>
+          <a:p>
+            <a:pPr lvl="2"/>
+            <a:r>
+              <a:rPr lang="en-US" smtClean="0"/>
+              <a:t>Third level</a:t>
+            </a:r>
+          </a:p>
+          <a:p>
+            <a:pPr lvl="3"/>
+            <a:r>
+              <a:rPr lang="en-US" smtClean="0"/>
+              <a:t>Fourth level</a:t>
+            </a:r>
+          </a:p>
+          <a:p>
+            <a:pPr lvl="4"/>
+            <a:r>
+              <a:rPr lang="en-US" smtClean="0"/>
+              <a:t>Fifth level</a:t>
+            </a:r>
+            <a:endParaRPr lang="en-US"/>
+          </a:p>
+        </p:txBody>
+      </p:sp>
+      <p:sp>
+        <p:nvSpPr>
+          <p:cNvPr id="6" name="Footer Placeholder 5"/>
+          <p:cNvSpPr>
+            <a:spLocks noGrp="1"/>
+          </p:cNvSpPr>
+          <p:nvPr>
+            <p:ph type="ftr" sz="quarter" idx="4"/>
+          </p:nvPr>
+        </p:nvSpPr>
+        <p:spPr>
+          <a:xfrm>
+            <a:off x="0" y="8685213"/>
+            <a:ext cx="2971800" cy="457200"/>
+          </a:xfrm>
+          <a:prstGeom prst="rect">
+            <a:avLst/>
+          </a:prstGeom>
+        </p:spPr>
+        <p:txBody>
+          <a:bodyPr vert="horz" lIns="91440" tIns="45720" rIns="91440" bIns="45720" rtlCol="0" anchor="b"/>
+          <a:lstStyle>
+            <a:lvl1pPr algn="l">
+              <a:defRPr sz="1200"/>
+            </a:lvl1pPr>
+          </a:lstStyle>
+          <a:p>
+            <a:endParaRPr lang="en-US"/>
+          </a:p>
+        </p:txBody>
+      </p:sp>
+      <p:sp>
+        <p:nvSpPr>
+          <p:cNvPr id="7" name="Slide Number Placeholder 6"/>
+          <p:cNvSpPr>
+            <a:spLocks noGrp="1"/>
+          </p:cNvSpPr>
+          <p:nvPr>
+            <p:ph type="sldNum" sz="quarter" idx="5"/>
+          </p:nvPr>
+        </p:nvSpPr>
+        <p:spPr>
+          <a:xfrm>
+            <a:off x="3884613" y="8685213"/>
+            <a:ext cx="2971800" cy="457200"/>
+          </a:xfrm>
+          <a:prstGeom prst="rect">
+            <a:avLst/>
+          </a:prstGeom>
+        </p:spPr>
+        <p:txBody>
+          <a:bodyPr vert="horz" lIns="91440" tIns="45720" rIns="91440" bIns="45720" rtlCol="0" anchor="b"/>
+          <a:lstStyle>
+            <a:lvl1pPr algn="r">
+              <a:defRPr sz="1200"/>
+            </a:lvl1pPr>
+          </a:lstStyle>
+          <a:p>
+            <a:fld id="{68C2439C-EE85-F44F-810D-B31FA31F0D3E}" type="slidenum">
+              <a:rPr lang="en-US" smtClean="0"/>
+              <a:t>‹#›</a:t>
+            </a:fld>
+            <a:endParaRPr lang="en-US"/>
+          </a:p>
+        </p:txBody>
+      </p:sp>
+    </p:spTree>
+    <p:extLst>
+      <p:ext uri="{BB962C8B-B14F-4D97-AF65-F5344CB8AC3E}">
+        <p14:creationId xmlns:p14="http://schemas.microsoft.com/office/powerpoint/2010/main" val="1273558398"/>
+      </p:ext>
+    </p:extLst>
+  </p:cSld>
+  <p:clrMap bg1="lt1" tx1="dk1" bg2="lt2" tx2="dk2" accent1="accent1" accent2="accent2" accent3="accent3" accent4="accent4" accent5="accent5" accent6="accent6" hlink="hlink" folHlink="folHlink"/>
+  <p:notesStyle>
+    <a:lvl1pPr marL="0" algn="l" defTabSz="457200" rtl="0" eaLnBrk="1" latinLnBrk="0" hangingPunct="1">
+      <a:defRPr sz="1200" kern="1200">
+        <a:solidFill>
+          <a:schemeClr val="tx1"/>
+        </a:solidFill>
+        <a:latin typeface="+mn-lt"/>
+        <a:ea typeface="+mn-ea"/>
+        <a:cs typeface="+mn-cs"/>
+      </a:defRPr>
+    </a:lvl1pPr>
+    <a:lvl2pPr marL="457200" algn="l" defTabSz="457200" rtl="0" eaLnBrk="1" latinLnBrk="0" hangingPunct="1">
+      <a:defRPr sz="1200" kern="1200">
+        <a:solidFill>
+          <a:schemeClr val="tx1"/>
+        </a:solidFill>
+        <a:latin typeface="+mn-lt"/>
+        <a:ea typeface="+mn-ea"/>
+        <a:cs typeface="+mn-cs"/>
+      </a:defRPr>
+    </a:lvl2pPr>
+    <a:lvl3pPr marL="914400" algn="l" defTabSz="457200" rtl="0" eaLnBrk="1" latinLnBrk="0" hangingPunct="1">
+      <a:defRPr sz="1200" kern="1200">
+        <a:solidFill>
+          <a:schemeClr val="tx1"/>
+        </a:solidFill>
+        <a:latin typeface="+mn-lt"/>
+        <a:ea typeface="+mn-ea"/>
+        <a:cs typeface="+mn-cs"/>
+      </a:defRPr>
+    </a:lvl3pPr>
+    <a:lvl4pPr marL="1371600" algn="l" defTabSz="457200" rtl="0" eaLnBrk="1" latinLnBrk="0" hangingPunct="1">
+      <a:defRPr sz="1200" kern="1200">
+        <a:solidFill>
+          <a:schemeClr val="tx1"/>
+        </a:solidFill>
+        <a:latin typeface="+mn-lt"/>
+        <a:ea typeface="+mn-ea"/>
+        <a:cs typeface="+mn-cs"/>
+      </a:defRPr>
+    </a:lvl4pPr>
+    <a:lvl5pPr marL="1828800" algn="l" defTabSz="457200" rtl="0" eaLnBrk="1" latinLnBrk="0" hangingPunct="1">
+      <a:defRPr sz="1200" kern="1200">
+        <a:solidFill>
+          <a:schemeClr val="tx1"/>
+        </a:solidFill>
+        <a:latin typeface="+mn-lt"/>
+        <a:ea typeface="+mn-ea"/>
+        <a:cs typeface="+mn-cs"/>
+      </a:defRPr>
+    </a:lvl5pPr>
+    <a:lvl6pPr marL="2286000" algn="l" defTabSz="457200" rtl="0" eaLnBrk="1" latinLnBrk="0" hangingPunct="1">
+      <a:defRPr sz="1200" kern="1200">
+        <a:solidFill>
+          <a:schemeClr val="tx1"/>
+        </a:solidFill>
+        <a:latin typeface="+mn-lt"/>
+        <a:ea typeface="+mn-ea"/>
+        <a:cs typeface="+mn-cs"/>
+      </a:defRPr>
+    </a:lvl6pPr>
+    <a:lvl7pPr marL="2743200" algn="l" defTabSz="457200" rtl="0" eaLnBrk="1" latinLnBrk="0" hangingPunct="1">
+      <a:defRPr sz="1200" kern="1200">
+        <a:solidFill>
+          <a:schemeClr val="tx1"/>
+        </a:solidFill>
+        <a:latin typeface="+mn-lt"/>
+        <a:ea typeface="+mn-ea"/>
+        <a:cs typeface="+mn-cs"/>
+      </a:defRPr>
+    </a:lvl7pPr>
+    <a:lvl8pPr marL="3200400" algn="l" defTabSz="457200" rtl="0" eaLnBrk="1" latinLnBrk="0" hangingPunct="1">
+      <a:defRPr sz="1200" kern="1200">
+        <a:solidFill>
+          <a:schemeClr val="tx1"/>
+        </a:solidFill>
+        <a:latin typeface="+mn-lt"/>
+        <a:ea typeface="+mn-ea"/>
+        <a:cs typeface="+mn-cs"/>
+      </a:defRPr>
+    </a:lvl8pPr>
+    <a:lvl9pPr marL="3657600" algn="l" defTabSz="457200" rtl="0" eaLnBrk="1" latinLnBrk="0" hangingPunct="1">
+      <a:defRPr sz="1200" kern="1200">
+        <a:solidFill>
+          <a:schemeClr val="tx1"/>
+        </a:solidFill>
+        <a:latin typeface="+mn-lt"/>
+        <a:ea typeface="+mn-ea"/>
+        <a:cs typeface="+mn-cs"/>
+      </a:defRPr>
+    </a:lvl9pPr>
+  </p:notesStyle>
+</p:notesMaster>
+</file>
+
+<file path=ppt/notesSlides/notesSlide1.xml><?xml version="1.0" encoding="utf-8"?>
+<p:notes xmlns:a="http://schemas.openxmlformats.org/drawingml/2006/main" xmlns:r="http://schemas.openxmlformats.org/officeDocument/2006/relationships" xmlns:p="http://schemas.openxmlformats.org/presentationml/2006/main">
+  <p:cSld>
+    <p:spTree>
+      <p:nvGrpSpPr>
+        <p:cNvPr id="1" name=""/>
+        <p:cNvGrpSpPr/>
+        <p:nvPr/>
+      </p:nvGrpSpPr>
+      <p:grpSpPr>
+        <a:xfrm>
+          <a:off x="0" y="0"/>
+          <a:ext cx="0" cy="0"/>
+          <a:chOff x="0" y="0"/>
+          <a:chExt cx="0" cy="0"/>
+        </a:xfrm>
+      </p:grpSpPr>
+      <p:sp>
+        <p:nvSpPr>
+          <p:cNvPr id="2" name="Slide Image Placeholder 1"/>
+          <p:cNvSpPr>
+            <a:spLocks noGrp="1" noRot="1" noChangeAspect="1"/>
+          </p:cNvSpPr>
+          <p:nvPr>
+            <p:ph type="sldImg"/>
+          </p:nvPr>
+        </p:nvSpPr>
+        <p:spPr/>
+      </p:sp>
+      <p:sp>
+        <p:nvSpPr>
+          <p:cNvPr id="3" name="Notes Placeholder 2"/>
+          <p:cNvSpPr>
+            <a:spLocks noGrp="1"/>
+          </p:cNvSpPr>
+          <p:nvPr>
+            <p:ph type="body" idx="1"/>
+          </p:nvPr>
+        </p:nvSpPr>
+        <p:spPr/>
+        <p:txBody>
+          <a:bodyPr/>
+          <a:lstStyle/>
+          <a:p>
+            <a:r>
+              <a:rPr lang="en-US" smtClean="0"/>
+              <a:t>OverviewUnitSpec</a:t>
+            </a:r>
+            <a:endParaRPr lang="en-US" dirty="0"/>
+          </a:p>
+        </p:txBody>
+      </p:sp>
+      <p:sp>
+        <p:nvSpPr>
+          <p:cNvPr id="4" name="Slide Number Placeholder 3"/>
+          <p:cNvSpPr>
+            <a:spLocks noGrp="1"/>
+          </p:cNvSpPr>
+          <p:nvPr>
+            <p:ph type="sldNum" sz="quarter" idx="10"/>
+          </p:nvPr>
+        </p:nvSpPr>
+        <p:spPr/>
+        <p:txBody>
+          <a:bodyPr/>
+          <a:lstStyle/>
+          <a:p>
+            <a:fld id="{68C2439C-EE85-F44F-810D-B31FA31F0D3E}" type="slidenum">
+              <a:rPr lang="en-US" smtClean="0"/>
+              <a:t>4</a:t>
+            </a:fld>
+            <a:endParaRPr lang="en-US"/>
+          </a:p>
+        </p:txBody>
+      </p:sp>
+    </p:spTree>
+    <p:extLst>
+      <p:ext uri="{BB962C8B-B14F-4D97-AF65-F5344CB8AC3E}">
+        <p14:creationId xmlns:p14="http://schemas.microsoft.com/office/powerpoint/2010/main" val="2868398034"/>
+      </p:ext>
+    </p:extLst>
+  </p:cSld>
+  <p:clrMapOvr>
+    <a:masterClrMapping/>
+  </p:clrMapOvr>
+</p:notes>
+</file>
+
 <file path=ppt/slideLayouts/slideLayout1.xml><?xml version="1.0" encoding="utf-8"?>
 <p:sldLayout xmlns:a="http://schemas.openxmlformats.org/drawingml/2006/main" xmlns:r="http://schemas.openxmlformats.org/officeDocument/2006/relationships" xmlns:p="http://schemas.openxmlformats.org/presentationml/2006/main" showMasterSp="0" type="title" preserve="1">
   <p:cSld name="Title Slide">
@@ -359,7 +807,7 @@
           <a:p>
             <a:fld id="{D7C3A134-F1C3-464B-BF47-54DC2DE08F52}" type="datetimeFigureOut">
               <a:rPr lang="en-US" smtClean="0"/>
-              <a:t>3/27/12</a:t>
+              <a:t>3/28/12</a:t>
             </a:fld>
             <a:endParaRPr lang="en-US"/>
           </a:p>
@@ -582,7 +1030,7 @@
           <a:p>
             <a:fld id="{D7C3A134-F1C3-464B-BF47-54DC2DE08F52}" type="datetimeFigureOut">
               <a:rPr lang="en-US" smtClean="0"/>
-              <a:t>3/27/12</a:t>
+              <a:t>3/28/12</a:t>
             </a:fld>
             <a:endParaRPr lang="en-US"/>
           </a:p>
@@ -862,7 +1310,7 @@
           <a:p>
             <a:fld id="{D7C3A134-F1C3-464B-BF47-54DC2DE08F52}" type="datetimeFigureOut">
               <a:rPr lang="en-US" smtClean="0"/>
-              <a:t>3/27/12</a:t>
+              <a:t>3/28/12</a:t>
             </a:fld>
             <a:endParaRPr lang="en-US"/>
           </a:p>
@@ -1041,7 +1489,7 @@
           <a:p>
             <a:fld id="{D7C3A134-F1C3-464B-BF47-54DC2DE08F52}" type="datetimeFigureOut">
               <a:rPr lang="en-US" smtClean="0"/>
-              <a:t>3/27/12</a:t>
+              <a:t>3/28/12</a:t>
             </a:fld>
             <a:endParaRPr lang="en-US"/>
           </a:p>
@@ -1399,7 +1847,7 @@
           <a:p>
             <a:fld id="{D7C3A134-F1C3-464B-BF47-54DC2DE08F52}" type="datetimeFigureOut">
               <a:rPr lang="en-US" smtClean="0"/>
-              <a:t>3/27/12</a:t>
+              <a:t>3/28/12</a:t>
             </a:fld>
             <a:endParaRPr lang="en-US"/>
           </a:p>
@@ -1686,7 +2134,7 @@
           <a:p>
             <a:fld id="{D7C3A134-F1C3-464B-BF47-54DC2DE08F52}" type="datetimeFigureOut">
               <a:rPr lang="en-US" smtClean="0"/>
-              <a:t>3/27/12</a:t>
+              <a:t>3/28/12</a:t>
             </a:fld>
             <a:endParaRPr lang="en-US"/>
           </a:p>
@@ -2108,7 +2556,7 @@
           <a:p>
             <a:fld id="{D7C3A134-F1C3-464B-BF47-54DC2DE08F52}" type="datetimeFigureOut">
               <a:rPr lang="en-US" smtClean="0"/>
-              <a:t>3/27/12</a:t>
+              <a:t>3/28/12</a:t>
             </a:fld>
             <a:endParaRPr lang="en-US"/>
           </a:p>
@@ -2223,7 +2671,7 @@
           <a:p>
             <a:fld id="{D7C3A134-F1C3-464B-BF47-54DC2DE08F52}" type="datetimeFigureOut">
               <a:rPr lang="en-US" smtClean="0"/>
-              <a:t>3/27/12</a:t>
+              <a:t>3/28/12</a:t>
             </a:fld>
             <a:endParaRPr lang="en-US"/>
           </a:p>
@@ -2313,7 +2761,7 @@
           <a:p>
             <a:fld id="{D7C3A134-F1C3-464B-BF47-54DC2DE08F52}" type="datetimeFigureOut">
               <a:rPr lang="en-US" smtClean="0"/>
-              <a:t>3/27/12</a:t>
+              <a:t>3/28/12</a:t>
             </a:fld>
             <a:endParaRPr lang="en-US"/>
           </a:p>
@@ -2591,7 +3039,7 @@
           <a:p>
             <a:fld id="{D7C3A134-F1C3-464B-BF47-54DC2DE08F52}" type="datetimeFigureOut">
               <a:rPr lang="en-US" smtClean="0"/>
-              <a:t>3/27/12</a:t>
+              <a:t>3/28/12</a:t>
             </a:fld>
             <a:endParaRPr lang="en-US"/>
           </a:p>
@@ -2957,7 +3405,7 @@
           <a:p>
             <a:fld id="{D7C3A134-F1C3-464B-BF47-54DC2DE08F52}" type="datetimeFigureOut">
               <a:rPr lang="en-US" smtClean="0"/>
-              <a:t>3/27/12</a:t>
+              <a:t>3/28/12</a:t>
             </a:fld>
             <a:endParaRPr lang="en-US" dirty="0"/>
           </a:p>
@@ -3394,7 +3842,7 @@
           <a:p>
             <a:fld id="{D7C3A134-F1C3-464B-BF47-54DC2DE08F52}" type="datetimeFigureOut">
               <a:rPr lang="en-US" smtClean="0"/>
-              <a:t>3/27/12</a:t>
+              <a:t>3/28/12</a:t>
             </a:fld>
             <a:endParaRPr lang="en-US" dirty="0"/>
           </a:p>
@@ -3877,6 +4325,338 @@
 </p:sld>
 </file>
 
+<file path=ppt/slides/slide10.xml><?xml version="1.0" encoding="utf-8"?>
+<p:sld xmlns:a="http://schemas.openxmlformats.org/drawingml/2006/main" xmlns:r="http://schemas.openxmlformats.org/officeDocument/2006/relationships" xmlns:p="http://schemas.openxmlformats.org/presentationml/2006/main">
+  <p:cSld>
+    <p:spTree>
+      <p:nvGrpSpPr>
+        <p:cNvPr id="1" name=""/>
+        <p:cNvGrpSpPr/>
+        <p:nvPr/>
+      </p:nvGrpSpPr>
+      <p:grpSpPr>
+        <a:xfrm>
+          <a:off x="0" y="0"/>
+          <a:ext cx="0" cy="0"/>
+          <a:chOff x="0" y="0"/>
+          <a:chExt cx="0" cy="0"/>
+        </a:xfrm>
+      </p:grpSpPr>
+      <p:sp>
+        <p:nvSpPr>
+          <p:cNvPr id="2" name="Title 1"/>
+          <p:cNvSpPr>
+            <a:spLocks noGrp="1"/>
+          </p:cNvSpPr>
+          <p:nvPr>
+            <p:ph type="title"/>
+          </p:nvPr>
+        </p:nvSpPr>
+        <p:spPr/>
+        <p:txBody>
+          <a:bodyPr/>
+          <a:lstStyle/>
+          <a:p>
+            <a:r>
+              <a:rPr lang="en-US" dirty="0" smtClean="0"/>
+              <a:t>Extensions</a:t>
+            </a:r>
+            <a:endParaRPr lang="en-US" dirty="0"/>
+          </a:p>
+        </p:txBody>
+      </p:sp>
+      <p:sp>
+        <p:nvSpPr>
+          <p:cNvPr id="3" name="Content Placeholder 2"/>
+          <p:cNvSpPr>
+            <a:spLocks noGrp="1"/>
+          </p:cNvSpPr>
+          <p:nvPr>
+            <p:ph idx="1"/>
+          </p:nvPr>
+        </p:nvSpPr>
+        <p:spPr/>
+        <p:txBody>
+          <a:bodyPr/>
+          <a:lstStyle/>
+          <a:p>
+            <a:r>
+              <a:rPr lang="en-US" i="1" dirty="0"/>
+              <a:t>The </a:t>
+            </a:r>
+            <a:r>
+              <a:rPr lang="en-US" dirty="0"/>
+              <a:t>way to extend Spock Two flavors:</a:t>
+            </a:r>
+          </a:p>
+          <a:p>
+            <a:pPr lvl="1"/>
+            <a:r>
+              <a:rPr lang="en-US" dirty="0"/>
+              <a:t>Annotation-driven</a:t>
+            </a:r>
+          </a:p>
+          <a:p>
+            <a:pPr lvl="1"/>
+            <a:r>
+              <a:rPr lang="en-US" dirty="0"/>
+              <a:t>Global </a:t>
+            </a:r>
+            <a:endParaRPr lang="en-US" dirty="0" smtClean="0"/>
+          </a:p>
+          <a:p>
+            <a:r>
+              <a:rPr lang="en-US" dirty="0" smtClean="0"/>
+              <a:t>Abilities</a:t>
+            </a:r>
+            <a:r>
+              <a:rPr lang="en-US" dirty="0"/>
+              <a:t>:</a:t>
+            </a:r>
+          </a:p>
+          <a:p>
+            <a:pPr lvl="1"/>
+            <a:r>
+              <a:rPr lang="en-US" dirty="0"/>
+              <a:t>Register interceptors </a:t>
+            </a:r>
+            <a:endParaRPr lang="en-US" dirty="0" smtClean="0"/>
+          </a:p>
+          <a:p>
+            <a:pPr lvl="1"/>
+            <a:r>
+              <a:rPr lang="en-US" dirty="0" smtClean="0"/>
+              <a:t>Register </a:t>
+            </a:r>
+            <a:r>
+              <a:rPr lang="en-US" dirty="0"/>
+              <a:t>listeners </a:t>
+            </a:r>
+            <a:endParaRPr lang="en-US" dirty="0" smtClean="0"/>
+          </a:p>
+          <a:p>
+            <a:pPr lvl="1"/>
+            <a:r>
+              <a:rPr lang="en-US" dirty="0" smtClean="0"/>
+              <a:t>Alter </a:t>
+            </a:r>
+            <a:r>
+              <a:rPr lang="en-US" dirty="0"/>
+              <a:t>the spec’s </a:t>
+            </a:r>
+            <a:r>
+              <a:rPr lang="en-US" i="1" dirty="0"/>
+              <a:t>model</a:t>
+            </a:r>
+            <a:endParaRPr lang="en-US" dirty="0"/>
+          </a:p>
+        </p:txBody>
+      </p:sp>
+    </p:spTree>
+    <p:extLst>
+      <p:ext uri="{BB962C8B-B14F-4D97-AF65-F5344CB8AC3E}">
+        <p14:creationId xmlns:p14="http://schemas.microsoft.com/office/powerpoint/2010/main" val="3170007633"/>
+      </p:ext>
+    </p:extLst>
+  </p:cSld>
+  <p:clrMapOvr>
+    <a:masterClrMapping/>
+  </p:clrMapOvr>
+</p:sld>
+</file>
+
+<file path=ppt/slides/slide11.xml><?xml version="1.0" encoding="utf-8"?>
+<p:sld xmlns:a="http://schemas.openxmlformats.org/drawingml/2006/main" xmlns:r="http://schemas.openxmlformats.org/officeDocument/2006/relationships" xmlns:p="http://schemas.openxmlformats.org/presentationml/2006/main">
+  <p:cSld>
+    <p:spTree>
+      <p:nvGrpSpPr>
+        <p:cNvPr id="1" name=""/>
+        <p:cNvGrpSpPr/>
+        <p:nvPr/>
+      </p:nvGrpSpPr>
+      <p:grpSpPr>
+        <a:xfrm>
+          <a:off x="0" y="0"/>
+          <a:ext cx="0" cy="0"/>
+          <a:chOff x="0" y="0"/>
+          <a:chExt cx="0" cy="0"/>
+        </a:xfrm>
+      </p:grpSpPr>
+      <p:sp>
+        <p:nvSpPr>
+          <p:cNvPr id="2" name="Title 1"/>
+          <p:cNvSpPr>
+            <a:spLocks noGrp="1"/>
+          </p:cNvSpPr>
+          <p:nvPr>
+            <p:ph type="title"/>
+          </p:nvPr>
+        </p:nvSpPr>
+        <p:spPr/>
+        <p:txBody>
+          <a:bodyPr/>
+          <a:lstStyle/>
+          <a:p>
+            <a:r>
+              <a:rPr lang="en-US" dirty="0" smtClean="0"/>
+              <a:t>Some Existing Extensions</a:t>
+            </a:r>
+            <a:endParaRPr lang="en-US" dirty="0"/>
+          </a:p>
+        </p:txBody>
+      </p:sp>
+      <p:sp>
+        <p:nvSpPr>
+          <p:cNvPr id="3" name="Content Placeholder 2"/>
+          <p:cNvSpPr>
+            <a:spLocks noGrp="1"/>
+          </p:cNvSpPr>
+          <p:nvPr>
+            <p:ph idx="1"/>
+          </p:nvPr>
+        </p:nvSpPr>
+        <p:spPr/>
+        <p:txBody>
+          <a:bodyPr/>
+          <a:lstStyle/>
+          <a:p>
+            <a:r>
+              <a:rPr lang="en-US" dirty="0"/>
+              <a:t>@Ignore/@</a:t>
+            </a:r>
+            <a:r>
+              <a:rPr lang="en-US" dirty="0" err="1"/>
+              <a:t>IgnoreRest</a:t>
+            </a:r>
+            <a:r>
+              <a:rPr lang="en-US" dirty="0"/>
+              <a:t>/@</a:t>
+            </a:r>
+            <a:r>
+              <a:rPr lang="en-US" dirty="0" err="1"/>
+              <a:t>IgnoreIf</a:t>
+            </a:r>
+            <a:r>
+              <a:rPr lang="en-US" dirty="0"/>
+              <a:t> </a:t>
+            </a:r>
+            <a:endParaRPr lang="en-US" dirty="0" smtClean="0"/>
+          </a:p>
+          <a:p>
+            <a:r>
+              <a:rPr lang="en-US" dirty="0" smtClean="0"/>
+              <a:t>@</a:t>
+            </a:r>
+            <a:r>
+              <a:rPr lang="en-US" dirty="0"/>
+              <a:t>Timeout </a:t>
+            </a:r>
+            <a:endParaRPr lang="en-US" dirty="0" smtClean="0"/>
+          </a:p>
+          <a:p>
+            <a:r>
+              <a:rPr lang="en-US" dirty="0" smtClean="0"/>
+              <a:t>@</a:t>
+            </a:r>
+            <a:r>
+              <a:rPr lang="en-US" dirty="0"/>
+              <a:t>Stepwise </a:t>
+            </a:r>
+            <a:endParaRPr lang="en-US" dirty="0" smtClean="0"/>
+          </a:p>
+          <a:p>
+            <a:r>
+              <a:rPr lang="en-US" dirty="0" smtClean="0"/>
+              <a:t>@</a:t>
+            </a:r>
+            <a:r>
+              <a:rPr lang="en-US" dirty="0" err="1"/>
+              <a:t>AutoCleanup</a:t>
+            </a:r>
+            <a:r>
+              <a:rPr lang="en-US" dirty="0"/>
+              <a:t> </a:t>
+            </a:r>
+            <a:endParaRPr lang="en-US" dirty="0" smtClean="0"/>
+          </a:p>
+          <a:p>
+            <a:r>
+              <a:rPr lang="en-US" dirty="0" smtClean="0"/>
+              <a:t>@</a:t>
+            </a:r>
+            <a:r>
+              <a:rPr lang="en-US" dirty="0" err="1"/>
+              <a:t>RevertMetaClass</a:t>
+            </a:r>
+            <a:endParaRPr lang="en-US" dirty="0"/>
+          </a:p>
+          <a:p>
+            <a:r>
+              <a:rPr lang="en-US" dirty="0"/>
+              <a:t>@Use </a:t>
+            </a:r>
+            <a:endParaRPr lang="en-US" dirty="0" smtClean="0"/>
+          </a:p>
+          <a:p>
+            <a:r>
+              <a:rPr lang="en-US" dirty="0" smtClean="0"/>
+              <a:t>@</a:t>
+            </a:r>
+            <a:r>
+              <a:rPr lang="en-US" dirty="0"/>
+              <a:t>Rule/@</a:t>
+            </a:r>
+            <a:r>
+              <a:rPr lang="en-US" dirty="0" err="1"/>
+              <a:t>ClassRule</a:t>
+            </a:r>
+            <a:endParaRPr lang="en-US" dirty="0"/>
+          </a:p>
+        </p:txBody>
+      </p:sp>
+    </p:spTree>
+    <p:extLst>
+      <p:ext uri="{BB962C8B-B14F-4D97-AF65-F5344CB8AC3E}">
+        <p14:creationId xmlns:p14="http://schemas.microsoft.com/office/powerpoint/2010/main" val="2927895798"/>
+      </p:ext>
+    </p:extLst>
+  </p:cSld>
+  <p:clrMapOvr>
+    <a:masterClrMapping/>
+  </p:clrMapOvr>
+</p:sld>
+</file>
+
+<file path=ppt/slides/slide12.xml><?xml version="1.0" encoding="utf-8"?>
+<p:sld xmlns:a="http://schemas.openxmlformats.org/drawingml/2006/main" xmlns:r="http://schemas.openxmlformats.org/officeDocument/2006/relationships" xmlns:p="http://schemas.openxmlformats.org/presentationml/2006/main">
+  <p:cSld>
+    <p:spTree>
+      <p:nvGrpSpPr>
+        <p:cNvPr id="1" name=""/>
+        <p:cNvGrpSpPr/>
+        <p:nvPr/>
+      </p:nvGrpSpPr>
+      <p:grpSpPr>
+        <a:xfrm>
+          <a:off x="0" y="0"/>
+          <a:ext cx="0" cy="0"/>
+          <a:chOff x="0" y="0"/>
+          <a:chExt cx="0" cy="0"/>
+        </a:xfrm>
+      </p:grpSpPr>
+    </p:spTree>
+    <p:extLst>
+      <p:ext uri="{BB962C8B-B14F-4D97-AF65-F5344CB8AC3E}">
+        <p14:creationId xmlns:p14="http://schemas.microsoft.com/office/powerpoint/2010/main" val="2576121680"/>
+      </p:ext>
+    </p:extLst>
+  </p:cSld>
+  <p:clrMapOvr>
+    <a:masterClrMapping/>
+  </p:clrMapOvr>
+</p:sld>
+</file>
+
 <file path=ppt/slides/slide2.xml><?xml version="1.0" encoding="utf-8"?>
 <p:sld xmlns:a="http://schemas.openxmlformats.org/drawingml/2006/main" xmlns:r="http://schemas.openxmlformats.org/officeDocument/2006/relationships" xmlns:p="http://schemas.openxmlformats.org/presentationml/2006/main">
   <p:cSld>
@@ -3911,7 +4691,7 @@
           <a:p>
             <a:r>
               <a:rPr lang="en-US" dirty="0" smtClean="0"/>
-              <a:t>Spock	</a:t>
+              <a:t>Acknowledgements</a:t>
             </a:r>
             <a:endParaRPr lang="en-US" dirty="0"/>
           </a:p>
@@ -3933,138 +4713,68 @@
           <a:lstStyle/>
           <a:p>
             <a:r>
+              <a:rPr lang="en-US" dirty="0" smtClean="0"/>
+              <a:t>Peter </a:t>
+            </a:r>
+            <a:r>
+              <a:rPr lang="en-US" dirty="0" err="1" smtClean="0"/>
+              <a:t>Niederweiser</a:t>
+            </a:r>
+            <a:r>
+              <a:rPr lang="en-US" dirty="0" smtClean="0"/>
+              <a:t> &amp; Luke Daley</a:t>
+            </a:r>
+          </a:p>
+          <a:p>
+            <a:pPr lvl="1"/>
+            <a:r>
+              <a:rPr lang="en-US" dirty="0" smtClean="0"/>
+              <a:t>Framework, slides, examples</a:t>
+            </a:r>
+          </a:p>
+          <a:p>
+            <a:r>
+              <a:rPr lang="en-US" dirty="0" smtClean="0"/>
+              <a:t>Broad Institute</a:t>
+            </a:r>
+          </a:p>
+          <a:p>
+            <a:pPr lvl="1"/>
+            <a:r>
+              <a:rPr lang="en-US" dirty="0" smtClean="0"/>
+              <a:t>Chemical Biology Informatics Platform</a:t>
+            </a:r>
+          </a:p>
+          <a:p>
+            <a:r>
+              <a:rPr lang="en-US" dirty="0" smtClean="0"/>
+              <a:t>Richard Rattigan</a:t>
+            </a:r>
+          </a:p>
+          <a:p>
+            <a:pPr lvl="1"/>
+            <a:r>
               <a:rPr lang="en-US" dirty="0"/>
-              <a:t>A developer testing </a:t>
+              <a:t>E</a:t>
             </a:r>
             <a:r>
               <a:rPr lang="en-US" dirty="0" smtClean="0"/>
-              <a:t>framework</a:t>
-            </a:r>
-          </a:p>
-          <a:p>
-            <a:r>
-              <a:rPr lang="en-US" dirty="0" smtClean="0"/>
-              <a:t>for </a:t>
-            </a:r>
-            <a:r>
-              <a:rPr lang="en-US" dirty="0"/>
-              <a:t>Groovy and Java </a:t>
-            </a:r>
-            <a:r>
-              <a:rPr lang="en-US" dirty="0" smtClean="0"/>
-              <a:t>applications</a:t>
-            </a:r>
-          </a:p>
-          <a:p>
-            <a:r>
-              <a:rPr lang="en-US" dirty="0" smtClean="0"/>
-              <a:t>based </a:t>
-            </a:r>
-            <a:r>
-              <a:rPr lang="en-US" dirty="0"/>
-              <a:t>on </a:t>
-            </a:r>
-            <a:r>
-              <a:rPr lang="en-US" dirty="0" smtClean="0"/>
-              <a:t>Groovy</a:t>
-            </a:r>
-          </a:p>
-          <a:p>
-            <a:r>
-              <a:rPr lang="en-US" dirty="0" smtClean="0"/>
-              <a:t>fully </a:t>
-            </a:r>
-            <a:r>
-              <a:rPr lang="en-US" dirty="0"/>
-              <a:t>compatible with </a:t>
-            </a:r>
-            <a:r>
-              <a:rPr lang="en-US" dirty="0" err="1" smtClean="0"/>
-              <a:t>Junit</a:t>
-            </a:r>
-            <a:endParaRPr lang="en-US" dirty="0" smtClean="0"/>
-          </a:p>
-          <a:p>
-            <a:r>
-              <a:rPr lang="en-US" dirty="0" smtClean="0"/>
-              <a:t>Adds additional features and capabilities that make testing more fun!</a:t>
-            </a:r>
-          </a:p>
-          <a:p>
+              <a:t>xamples</a:t>
+            </a:r>
             <a:endParaRPr lang="en-US" dirty="0"/>
-          </a:p>
-          <a:p>
-            <a:pPr marL="118872" indent="0">
-              <a:buNone/>
-            </a:pPr>
-            <a:endParaRPr lang="en-US" dirty="0" smtClean="0"/>
-          </a:p>
-          <a:p>
-            <a:r>
-              <a:rPr lang="en-US" sz="2000" dirty="0" smtClean="0"/>
-              <a:t>Check out</a:t>
-            </a:r>
-            <a:r>
-              <a:rPr lang="en-US" dirty="0"/>
-              <a:t>: </a:t>
-            </a:r>
-            <a:r>
-              <a:rPr lang="en-US" sz="2000" dirty="0">
-                <a:hlinkClick r:id="rId2"/>
-              </a:rPr>
-              <a:t>http://</a:t>
-            </a:r>
-            <a:r>
-              <a:rPr lang="en-US" sz="2000" dirty="0" err="1">
-                <a:hlinkClick r:id="rId2"/>
-              </a:rPr>
-              <a:t>code.google.com</a:t>
-            </a:r>
-            <a:r>
-              <a:rPr lang="en-US" sz="2000" dirty="0">
-                <a:hlinkClick r:id="rId2"/>
-              </a:rPr>
-              <a:t>/p/</a:t>
-            </a:r>
-            <a:r>
-              <a:rPr lang="en-US" sz="2000" dirty="0" err="1">
-                <a:hlinkClick r:id="rId2"/>
-              </a:rPr>
-              <a:t>spock</a:t>
-            </a:r>
-            <a:r>
-              <a:rPr lang="en-US" sz="2000" dirty="0">
-                <a:hlinkClick r:id="rId2"/>
-              </a:rPr>
-              <a:t>/wiki/</a:t>
-            </a:r>
-            <a:r>
-              <a:rPr lang="en-US" sz="2000" dirty="0" err="1">
-                <a:hlinkClick r:id="rId2"/>
-              </a:rPr>
-              <a:t>WhySpock</a:t>
-            </a:r>
-            <a:endParaRPr lang="en-US" sz="2000" dirty="0"/>
           </a:p>
         </p:txBody>
       </p:sp>
     </p:spTree>
     <p:extLst>
       <p:ext uri="{BB962C8B-B14F-4D97-AF65-F5344CB8AC3E}">
-        <p14:creationId xmlns:p14="http://schemas.microsoft.com/office/powerpoint/2010/main" val="1364906411"/>
+        <p14:creationId xmlns:p14="http://schemas.microsoft.com/office/powerpoint/2010/main" val="4051423324"/>
       </p:ext>
     </p:extLst>
   </p:cSld>
   <p:clrMapOvr>
     <a:masterClrMapping/>
   </p:clrMapOvr>
-  <p:timing>
-    <p:tnLst>
-      <p:par>
-        <p:cTn xmlns:p14="http://schemas.microsoft.com/office/powerpoint/2010/main" id="1" dur="indefinite" restart="never" nodeType="tmRoot"/>
-      </p:par>
-    </p:tnLst>
-  </p:timing>
 </p:sld>
 </file>
 
@@ -4097,106 +4807,160 @@
         </p:nvSpPr>
         <p:spPr/>
         <p:txBody>
-          <a:bodyPr>
-            <a:normAutofit/>
-          </a:bodyPr>
-          <a:lstStyle/>
-          <a:p>
-            <a:r>
-              <a:rPr lang="en-US" dirty="0" smtClean="0"/>
-              <a:t>Frame of Reference</a:t>
-            </a:r>
-            <a:endParaRPr lang="en-US" dirty="0"/>
-          </a:p>
-        </p:txBody>
-      </p:sp>
-      <p:sp>
-        <p:nvSpPr>
-          <p:cNvPr id="3" name="Content Placeholder 2"/>
-          <p:cNvSpPr>
-            <a:spLocks noGrp="1"/>
-          </p:cNvSpPr>
-          <p:nvPr>
-            <p:ph idx="1"/>
-          </p:nvPr>
-        </p:nvSpPr>
-        <p:spPr/>
-        <p:txBody>
           <a:bodyPr/>
           <a:lstStyle/>
           <a:p>
             <a:r>
               <a:rPr lang="en-US" dirty="0" smtClean="0"/>
-              <a:t>Traditional testing</a:t>
-            </a:r>
-          </a:p>
-          <a:p>
-            <a:pPr lvl="1"/>
+              <a:t>Spock	</a:t>
+            </a:r>
+            <a:endParaRPr lang="en-US" dirty="0"/>
+          </a:p>
+        </p:txBody>
+      </p:sp>
+      <p:sp>
+        <p:nvSpPr>
+          <p:cNvPr id="3" name="Content Placeholder 2"/>
+          <p:cNvSpPr>
+            <a:spLocks noGrp="1"/>
+          </p:cNvSpPr>
+          <p:nvPr>
+            <p:ph idx="1"/>
+          </p:nvPr>
+        </p:nvSpPr>
+        <p:spPr/>
+        <p:txBody>
+          <a:bodyPr/>
+          <a:lstStyle/>
+          <a:p>
+            <a:r>
+              <a:rPr lang="en-US" dirty="0"/>
+              <a:t>A developer testing </a:t>
+            </a:r>
             <a:r>
               <a:rPr lang="en-US" dirty="0" smtClean="0"/>
-              <a:t>Setup thing to test</a:t>
-            </a:r>
-          </a:p>
-          <a:p>
-            <a:pPr lvl="1"/>
+              <a:t>framework</a:t>
+            </a:r>
+          </a:p>
+          <a:p>
             <a:r>
               <a:rPr lang="en-US" dirty="0" smtClean="0"/>
-              <a:t>Do something to it</a:t>
-            </a:r>
-          </a:p>
-          <a:p>
-            <a:pPr lvl="1"/>
+              <a:t>For </a:t>
+            </a:r>
+            <a:r>
+              <a:rPr lang="en-US" dirty="0"/>
+              <a:t>Groovy and Java </a:t>
+            </a:r>
             <a:r>
               <a:rPr lang="en-US" dirty="0" smtClean="0"/>
-              <a:t>Check it’s state</a:t>
-            </a:r>
-          </a:p>
-          <a:p>
+              <a:t>applications</a:t>
+            </a:r>
+          </a:p>
+          <a:p>
+            <a:r>
+              <a:rPr lang="en-US" dirty="0"/>
+              <a:t>B</a:t>
+            </a:r>
+            <a:r>
+              <a:rPr lang="en-US" dirty="0" smtClean="0"/>
+              <a:t>ased </a:t>
+            </a:r>
+            <a:r>
+              <a:rPr lang="en-US" dirty="0"/>
+              <a:t>on </a:t>
+            </a:r>
+            <a:r>
+              <a:rPr lang="en-US" dirty="0" smtClean="0"/>
+              <a:t>Groovy</a:t>
+            </a:r>
+          </a:p>
+          <a:p>
+            <a:r>
+              <a:rPr lang="en-US" dirty="0"/>
+              <a:t>F</a:t>
+            </a:r>
+            <a:r>
+              <a:rPr lang="en-US" dirty="0" smtClean="0"/>
+              <a:t>ully </a:t>
+            </a:r>
+            <a:r>
+              <a:rPr lang="en-US" dirty="0"/>
+              <a:t>compatible with </a:t>
+            </a:r>
+            <a:r>
+              <a:rPr lang="en-US" dirty="0" err="1" smtClean="0"/>
+              <a:t>JUnit</a:t>
+            </a:r>
             <a:endParaRPr lang="en-US" dirty="0" smtClean="0"/>
           </a:p>
           <a:p>
             <a:r>
               <a:rPr lang="en-US" dirty="0" smtClean="0"/>
-              <a:t>Casually making it formal</a:t>
-            </a:r>
-          </a:p>
-          <a:p>
-            <a:pPr lvl="1"/>
-            <a:r>
-              <a:rPr lang="en-US" dirty="0" smtClean="0"/>
-              <a:t>First class support for Blocks</a:t>
-            </a:r>
-          </a:p>
-          <a:p>
-            <a:pPr lvl="2"/>
-            <a:r>
-              <a:rPr lang="en-US" dirty="0"/>
-              <a:t>s</a:t>
-            </a:r>
-            <a:r>
-              <a:rPr lang="en-US" dirty="0" smtClean="0"/>
-              <a:t>etup: cleanup: expect: given: when: then: where: and:</a:t>
-            </a:r>
-          </a:p>
-          <a:p>
-            <a:pPr lvl="2"/>
-            <a:r>
-              <a:rPr lang="en-US" dirty="0" smtClean="0"/>
-              <a:t>excellent support for inline documentation</a:t>
-            </a:r>
-          </a:p>
-          <a:p>
-            <a:pPr marL="768096" lvl="2" indent="0">
+              <a:t>Adds additional features and capabilities that make testing more fun!</a:t>
+            </a:r>
+          </a:p>
+          <a:p>
+            <a:endParaRPr lang="en-US" dirty="0"/>
+          </a:p>
+          <a:p>
+            <a:pPr marL="118872" indent="0">
               <a:buNone/>
             </a:pPr>
             <a:endParaRPr lang="en-US" dirty="0" smtClean="0"/>
           </a:p>
+          <a:p>
+            <a:r>
+              <a:rPr lang="en-US" sz="2000" dirty="0" smtClean="0"/>
+              <a:t>Check out</a:t>
+            </a:r>
+            <a:r>
+              <a:rPr lang="en-US" dirty="0"/>
+              <a:t>: </a:t>
+            </a:r>
+            <a:r>
+              <a:rPr lang="en-US" sz="2000" dirty="0">
+                <a:hlinkClick r:id="rId2"/>
+              </a:rPr>
+              <a:t>http://</a:t>
+            </a:r>
+            <a:r>
+              <a:rPr lang="en-US" sz="2000" dirty="0" err="1">
+                <a:hlinkClick r:id="rId2"/>
+              </a:rPr>
+              <a:t>code.google.com</a:t>
+            </a:r>
+            <a:r>
+              <a:rPr lang="en-US" sz="2000" dirty="0">
+                <a:hlinkClick r:id="rId2"/>
+              </a:rPr>
+              <a:t>/p/</a:t>
+            </a:r>
+            <a:r>
+              <a:rPr lang="en-US" sz="2000" dirty="0" err="1">
+                <a:hlinkClick r:id="rId2"/>
+              </a:rPr>
+              <a:t>spock</a:t>
+            </a:r>
+            <a:r>
+              <a:rPr lang="en-US" sz="2000" dirty="0">
+                <a:hlinkClick r:id="rId2"/>
+              </a:rPr>
+              <a:t>/wiki/</a:t>
+            </a:r>
+            <a:r>
+              <a:rPr lang="en-US" sz="2000" dirty="0" err="1">
+                <a:hlinkClick r:id="rId2"/>
+              </a:rPr>
+              <a:t>WhySpock</a:t>
+            </a:r>
+            <a:endParaRPr lang="en-US" sz="2000" dirty="0"/>
+          </a:p>
         </p:txBody>
       </p:sp>
     </p:spTree>
     <p:extLst>
       <p:ext uri="{BB962C8B-B14F-4D97-AF65-F5344CB8AC3E}">
-        <p14:creationId xmlns:p14="http://schemas.microsoft.com/office/powerpoint/2010/main" val="233168849"/>
+        <p14:creationId xmlns:p14="http://schemas.microsoft.com/office/powerpoint/2010/main" val="1364906411"/>
       </p:ext>
     </p:extLst>
   </p:cSld>
@@ -4242,100 +5006,71 @@
         </p:nvSpPr>
         <p:spPr/>
         <p:txBody>
+          <a:bodyPr>
+            <a:normAutofit/>
+          </a:bodyPr>
+          <a:lstStyle/>
+          <a:p>
+            <a:r>
+              <a:rPr lang="en-US" dirty="0" smtClean="0"/>
+              <a:t>Frame of Reference</a:t>
+            </a:r>
+            <a:endParaRPr lang="en-US" dirty="0"/>
+          </a:p>
+        </p:txBody>
+      </p:sp>
+      <p:sp>
+        <p:nvSpPr>
+          <p:cNvPr id="3" name="Content Placeholder 2"/>
+          <p:cNvSpPr>
+            <a:spLocks noGrp="1"/>
+          </p:cNvSpPr>
+          <p:nvPr>
+            <p:ph idx="1"/>
+          </p:nvPr>
+        </p:nvSpPr>
+        <p:spPr/>
+        <p:txBody>
           <a:bodyPr/>
           <a:lstStyle/>
           <a:p>
             <a:r>
-              <a:rPr lang="en-US" dirty="0"/>
-              <a:t>Frame of </a:t>
-            </a:r>
-            <a:r>
               <a:rPr lang="en-US" dirty="0" smtClean="0"/>
-              <a:t>Reference Cont’d</a:t>
-            </a:r>
-            <a:endParaRPr lang="en-US" dirty="0"/>
-          </a:p>
-        </p:txBody>
-      </p:sp>
-      <p:sp>
-        <p:nvSpPr>
-          <p:cNvPr id="3" name="Content Placeholder 2"/>
-          <p:cNvSpPr>
-            <a:spLocks noGrp="1"/>
-          </p:cNvSpPr>
-          <p:nvPr>
-            <p:ph idx="1"/>
-          </p:nvPr>
-        </p:nvSpPr>
-        <p:spPr/>
-        <p:txBody>
-          <a:bodyPr/>
-          <a:lstStyle/>
-          <a:p>
+              <a:t>Traditional testing</a:t>
+            </a:r>
+          </a:p>
+          <a:p>
+            <a:pPr lvl="1"/>
             <a:r>
               <a:rPr lang="en-US" dirty="0" smtClean="0"/>
-              <a:t>Fixture Methods</a:t>
+              <a:t>Setup thing to test</a:t>
             </a:r>
           </a:p>
           <a:p>
             <a:pPr lvl="1"/>
             <a:r>
-              <a:rPr lang="en-US" dirty="0"/>
-              <a:t>s</a:t>
-            </a:r>
-            <a:r>
               <a:rPr lang="en-US" dirty="0" smtClean="0"/>
-              <a:t>etup() cleanup() </a:t>
-            </a:r>
-            <a:r>
-              <a:rPr lang="en-US" dirty="0" err="1" smtClean="0"/>
-              <a:t>setupSpec</a:t>
-            </a:r>
+              <a:t>Do something to it</a:t>
+            </a:r>
+          </a:p>
+          <a:p>
+            <a:pPr lvl="1"/>
             <a:r>
               <a:rPr lang="en-US" dirty="0" smtClean="0"/>
-              <a:t>() </a:t>
-            </a:r>
-            <a:r>
-              <a:rPr lang="en-US" dirty="0" err="1" smtClean="0"/>
-              <a:t>cleanupSpec</a:t>
+              <a:t>Check it’s </a:t>
             </a:r>
             <a:r>
               <a:rPr lang="en-US" dirty="0" smtClean="0"/>
-              <a:t>()</a:t>
-            </a:r>
-          </a:p>
-          <a:p>
-            <a:r>
-              <a:rPr lang="en-US" dirty="0" smtClean="0"/>
-              <a:t>Instance and @Shared fields</a:t>
-            </a:r>
-          </a:p>
-          <a:p>
-            <a:r>
-              <a:rPr lang="en-US" dirty="0" smtClean="0"/>
-              <a:t>Excellent support for exception testing</a:t>
-            </a:r>
-          </a:p>
-          <a:p>
-            <a:pPr lvl="1"/>
-            <a:r>
-              <a:rPr lang="en-US" dirty="0" smtClean="0"/>
-              <a:t>Thrown()</a:t>
-            </a:r>
-          </a:p>
-          <a:p>
-            <a:r>
-              <a:rPr lang="en-US" dirty="0" smtClean="0"/>
-              <a:t>Extensible, Compatible, Refreshing</a:t>
-            </a:r>
-            <a:endParaRPr lang="en-US" dirty="0"/>
+              <a:t>state</a:t>
+            </a:r>
+            <a:endParaRPr lang="en-US" dirty="0" smtClean="0"/>
           </a:p>
         </p:txBody>
       </p:sp>
     </p:spTree>
     <p:extLst>
       <p:ext uri="{BB962C8B-B14F-4D97-AF65-F5344CB8AC3E}">
-        <p14:creationId xmlns:p14="http://schemas.microsoft.com/office/powerpoint/2010/main" val="1833295079"/>
+        <p14:creationId xmlns:p14="http://schemas.microsoft.com/office/powerpoint/2010/main" val="233168849"/>
       </p:ext>
     </p:extLst>
   </p:cSld>
@@ -4381,6 +5116,836 @@
         </p:nvSpPr>
         <p:spPr/>
         <p:txBody>
+          <a:bodyPr>
+            <a:normAutofit/>
+          </a:bodyPr>
+          <a:lstStyle/>
+          <a:p>
+            <a:r>
+              <a:rPr lang="en-US" dirty="0"/>
+              <a:t>Casually </a:t>
+            </a:r>
+            <a:r>
+              <a:rPr lang="en-US" dirty="0" smtClean="0"/>
+              <a:t>Making </a:t>
+            </a:r>
+            <a:r>
+              <a:rPr lang="en-US" dirty="0"/>
+              <a:t>i</a:t>
+            </a:r>
+            <a:r>
+              <a:rPr lang="en-US" dirty="0" smtClean="0"/>
+              <a:t>t </a:t>
+            </a:r>
+            <a:r>
+              <a:rPr lang="en-US" dirty="0"/>
+              <a:t>F</a:t>
+            </a:r>
+            <a:r>
+              <a:rPr lang="en-US" dirty="0" smtClean="0"/>
+              <a:t>ormal</a:t>
+            </a:r>
+            <a:endParaRPr lang="en-US" dirty="0"/>
+          </a:p>
+        </p:txBody>
+      </p:sp>
+      <p:sp>
+        <p:nvSpPr>
+          <p:cNvPr id="3" name="Content Placeholder 2"/>
+          <p:cNvSpPr>
+            <a:spLocks noGrp="1"/>
+          </p:cNvSpPr>
+          <p:nvPr>
+            <p:ph idx="1"/>
+          </p:nvPr>
+        </p:nvSpPr>
+        <p:spPr/>
+        <p:txBody>
+          <a:bodyPr>
+            <a:normAutofit/>
+          </a:bodyPr>
+          <a:lstStyle/>
+          <a:p>
+            <a:r>
+              <a:rPr lang="en-US" dirty="0" smtClean="0"/>
+              <a:t>First </a:t>
+            </a:r>
+            <a:r>
+              <a:rPr lang="en-US" dirty="0"/>
+              <a:t>class support for Blocks</a:t>
+            </a:r>
+          </a:p>
+          <a:p>
+            <a:pPr lvl="2"/>
+            <a:r>
+              <a:rPr lang="en-US" dirty="0"/>
+              <a:t>setup: cleanup: expect: given: when: then: where: and:</a:t>
+            </a:r>
+          </a:p>
+          <a:p>
+            <a:pPr lvl="2"/>
+            <a:r>
+              <a:rPr lang="en-US" dirty="0"/>
+              <a:t>excellent support for inline </a:t>
+            </a:r>
+            <a:r>
+              <a:rPr lang="en-US" dirty="0" smtClean="0"/>
+              <a:t>documentation</a:t>
+            </a:r>
+          </a:p>
+          <a:p>
+            <a:r>
+              <a:rPr lang="en-US" dirty="0" smtClean="0"/>
+              <a:t>Fixture Methods</a:t>
+            </a:r>
+          </a:p>
+          <a:p>
+            <a:pPr lvl="1"/>
+            <a:r>
+              <a:rPr lang="en-US" dirty="0" smtClean="0"/>
+              <a:t>setup</a:t>
+            </a:r>
+            <a:r>
+              <a:rPr lang="en-US" dirty="0"/>
+              <a:t>() cleanup() </a:t>
+            </a:r>
+            <a:r>
+              <a:rPr lang="en-US" dirty="0" err="1"/>
+              <a:t>setupSpec</a:t>
+            </a:r>
+            <a:r>
+              <a:rPr lang="en-US" dirty="0"/>
+              <a:t>() </a:t>
+            </a:r>
+            <a:r>
+              <a:rPr lang="en-US" dirty="0" err="1"/>
+              <a:t>cleanupSpec</a:t>
+            </a:r>
+            <a:r>
+              <a:rPr lang="en-US" dirty="0"/>
+              <a:t>(</a:t>
+            </a:r>
+            <a:r>
+              <a:rPr lang="en-US" dirty="0" smtClean="0"/>
+              <a:t>)</a:t>
+            </a:r>
+          </a:p>
+          <a:p>
+            <a:pPr lvl="1"/>
+            <a:r>
+              <a:rPr lang="en-US" dirty="0" smtClean="0"/>
+              <a:t>@Before @</a:t>
+            </a:r>
+            <a:r>
+              <a:rPr lang="en-US" dirty="0" err="1" smtClean="0"/>
+              <a:t>BeforeClass</a:t>
+            </a:r>
+            <a:r>
+              <a:rPr lang="en-US" dirty="0" smtClean="0"/>
+              <a:t> @After </a:t>
+            </a:r>
+            <a:r>
+              <a:rPr lang="en-US" dirty="0" err="1" smtClean="0"/>
+              <a:t>AfterClass</a:t>
+            </a:r>
+            <a:endParaRPr lang="en-US" dirty="0"/>
+          </a:p>
+          <a:p>
+            <a:r>
+              <a:rPr lang="en-US" dirty="0"/>
+              <a:t>Instance and @Shared </a:t>
+            </a:r>
+            <a:r>
+              <a:rPr lang="en-US" dirty="0" smtClean="0"/>
+              <a:t>fields</a:t>
+            </a:r>
+          </a:p>
+        </p:txBody>
+      </p:sp>
+    </p:spTree>
+    <p:extLst>
+      <p:ext uri="{BB962C8B-B14F-4D97-AF65-F5344CB8AC3E}">
+        <p14:creationId xmlns:p14="http://schemas.microsoft.com/office/powerpoint/2010/main" val="2529288115"/>
+      </p:ext>
+    </p:extLst>
+  </p:cSld>
+  <p:clrMapOvr>
+    <a:masterClrMapping/>
+  </p:clrMapOvr>
+</p:sld>
+</file>
+
+<file path=ppt/slides/slide6.xml><?xml version="1.0" encoding="utf-8"?>
+<p:sld xmlns:a="http://schemas.openxmlformats.org/drawingml/2006/main" xmlns:r="http://schemas.openxmlformats.org/officeDocument/2006/relationships" xmlns:p="http://schemas.openxmlformats.org/presentationml/2006/main">
+  <p:cSld>
+    <p:spTree>
+      <p:nvGrpSpPr>
+        <p:cNvPr id="1" name=""/>
+        <p:cNvGrpSpPr/>
+        <p:nvPr/>
+      </p:nvGrpSpPr>
+      <p:grpSpPr>
+        <a:xfrm>
+          <a:off x="0" y="0"/>
+          <a:ext cx="0" cy="0"/>
+          <a:chOff x="0" y="0"/>
+          <a:chExt cx="0" cy="0"/>
+        </a:xfrm>
+      </p:grpSpPr>
+      <p:sp>
+        <p:nvSpPr>
+          <p:cNvPr id="2" name="Title 1"/>
+          <p:cNvSpPr>
+            <a:spLocks noGrp="1"/>
+          </p:cNvSpPr>
+          <p:nvPr>
+            <p:ph type="title"/>
+          </p:nvPr>
+        </p:nvSpPr>
+        <p:spPr/>
+        <p:txBody>
+          <a:bodyPr>
+            <a:normAutofit/>
+          </a:bodyPr>
+          <a:lstStyle/>
+          <a:p>
+            <a:r>
+              <a:rPr lang="en-US" dirty="0" smtClean="0"/>
+              <a:t>Extra Goodness</a:t>
+            </a:r>
+            <a:endParaRPr lang="en-US" dirty="0"/>
+          </a:p>
+        </p:txBody>
+      </p:sp>
+      <p:sp>
+        <p:nvSpPr>
+          <p:cNvPr id="3" name="Content Placeholder 2"/>
+          <p:cNvSpPr>
+            <a:spLocks noGrp="1"/>
+          </p:cNvSpPr>
+          <p:nvPr>
+            <p:ph idx="1"/>
+          </p:nvPr>
+        </p:nvSpPr>
+        <p:spPr/>
+        <p:txBody>
+          <a:bodyPr/>
+          <a:lstStyle/>
+          <a:p>
+            <a:r>
+              <a:rPr lang="en-US" dirty="0"/>
+              <a:t>Parameterized Feature Methods</a:t>
+            </a:r>
+          </a:p>
+          <a:p>
+            <a:r>
+              <a:rPr lang="en-US" dirty="0" smtClean="0"/>
+              <a:t>Excellent support for exception testing</a:t>
+            </a:r>
+          </a:p>
+          <a:p>
+            <a:pPr lvl="1"/>
+            <a:r>
+              <a:rPr lang="en-US" dirty="0" smtClean="0"/>
+              <a:t>Thrown()</a:t>
+            </a:r>
+          </a:p>
+          <a:p>
+            <a:r>
+              <a:rPr lang="en-US" dirty="0" smtClean="0"/>
+              <a:t>Interactions (Stubbing and Mocking)</a:t>
+            </a:r>
+          </a:p>
+          <a:p>
+            <a:r>
+              <a:rPr lang="en-US" dirty="0" smtClean="0"/>
+              <a:t>Extensions</a:t>
+            </a:r>
+          </a:p>
+          <a:p>
+            <a:r>
+              <a:rPr lang="en-US" dirty="0" smtClean="0"/>
+              <a:t>Compatible</a:t>
+            </a:r>
+          </a:p>
+          <a:p>
+            <a:r>
+              <a:rPr lang="en-US" dirty="0" smtClean="0"/>
+              <a:t>Refreshing</a:t>
+            </a:r>
+            <a:endParaRPr lang="en-US" dirty="0"/>
+          </a:p>
+        </p:txBody>
+      </p:sp>
+    </p:spTree>
+    <p:extLst>
+      <p:ext uri="{BB962C8B-B14F-4D97-AF65-F5344CB8AC3E}">
+        <p14:creationId xmlns:p14="http://schemas.microsoft.com/office/powerpoint/2010/main" val="1833295079"/>
+      </p:ext>
+    </p:extLst>
+  </p:cSld>
+  <p:clrMapOvr>
+    <a:masterClrMapping/>
+  </p:clrMapOvr>
+  <p:timing>
+    <p:tnLst>
+      <p:par>
+        <p:cTn xmlns:p14="http://schemas.microsoft.com/office/powerpoint/2010/main" id="1" dur="indefinite" restart="never" nodeType="tmRoot"/>
+      </p:par>
+    </p:tnLst>
+  </p:timing>
+</p:sld>
+</file>
+
+<file path=ppt/slides/slide7.xml><?xml version="1.0" encoding="utf-8"?>
+<p:sld xmlns:a="http://schemas.openxmlformats.org/drawingml/2006/main" xmlns:r="http://schemas.openxmlformats.org/officeDocument/2006/relationships" xmlns:p="http://schemas.openxmlformats.org/presentationml/2006/main">
+  <p:cSld>
+    <p:spTree>
+      <p:nvGrpSpPr>
+        <p:cNvPr id="1" name=""/>
+        <p:cNvGrpSpPr/>
+        <p:nvPr/>
+      </p:nvGrpSpPr>
+      <p:grpSpPr>
+        <a:xfrm>
+          <a:off x="0" y="0"/>
+          <a:ext cx="0" cy="0"/>
+          <a:chOff x="0" y="0"/>
+          <a:chExt cx="0" cy="0"/>
+        </a:xfrm>
+      </p:grpSpPr>
+      <p:sp>
+        <p:nvSpPr>
+          <p:cNvPr id="2" name="Title 1"/>
+          <p:cNvSpPr>
+            <a:spLocks noGrp="1"/>
+          </p:cNvSpPr>
+          <p:nvPr>
+            <p:ph type="title"/>
+          </p:nvPr>
+        </p:nvSpPr>
+        <p:spPr/>
+        <p:txBody>
+          <a:bodyPr>
+            <a:normAutofit fontScale="90000"/>
+          </a:bodyPr>
+          <a:lstStyle/>
+          <a:p>
+            <a:r>
+              <a:rPr lang="en-US" dirty="0" err="1" smtClean="0"/>
+              <a:t>Termonology</a:t>
+            </a:r>
+            <a:r>
+              <a:rPr lang="en-US" dirty="0" smtClean="0"/>
+              <a:t> Comparison </a:t>
+            </a:r>
+            <a:r>
+              <a:rPr lang="en-US" dirty="0" smtClean="0"/>
+              <a:t>to </a:t>
+            </a:r>
+            <a:r>
+              <a:rPr lang="en-US" dirty="0" err="1" smtClean="0"/>
+              <a:t>JUnit</a:t>
+            </a:r>
+            <a:endParaRPr lang="en-US" dirty="0"/>
+          </a:p>
+        </p:txBody>
+      </p:sp>
+      <p:graphicFrame>
+        <p:nvGraphicFramePr>
+          <p:cNvPr id="4" name="Content Placeholder 3"/>
+          <p:cNvGraphicFramePr>
+            <a:graphicFrameLocks noGrp="1"/>
+          </p:cNvGraphicFramePr>
+          <p:nvPr>
+            <p:ph idx="1"/>
+            <p:extLst>
+              <p:ext uri="{D42A27DB-BD31-4B8C-83A1-F6EECF244321}">
+                <p14:modId xmlns:p14="http://schemas.microsoft.com/office/powerpoint/2010/main" val="3224240950"/>
+              </p:ext>
+            </p:extLst>
+          </p:nvPr>
+        </p:nvGraphicFramePr>
+        <p:xfrm>
+          <a:off x="457200" y="1774825"/>
+          <a:ext cx="8229600" cy="4815840"/>
+        </p:xfrm>
+        <a:graphic>
+          <a:graphicData uri="http://schemas.openxmlformats.org/drawingml/2006/table">
+            <a:tbl>
+              <a:tblPr firstRow="1" bandRow="1">
+                <a:tableStyleId>{5C22544A-7EE6-4342-B048-85BDC9FD1C3A}</a:tableStyleId>
+              </a:tblPr>
+              <a:tblGrid>
+                <a:gridCol w="4114800"/>
+                <a:gridCol w="4114800"/>
+              </a:tblGrid>
+              <a:tr h="370840">
+                <a:tc>
+                  <a:txBody>
+                    <a:bodyPr/>
+                    <a:lstStyle/>
+                    <a:p>
+                      <a:r>
+                        <a:rPr lang="en-US" b="1" dirty="0">
+                          <a:effectLst/>
+                        </a:rPr>
+                        <a:t>Spock</a:t>
+                      </a:r>
+                      <a:r>
+                        <a:rPr lang="en-US" dirty="0">
+                          <a:effectLst/>
+                        </a:rPr>
+                        <a:t> </a:t>
+                      </a:r>
+                    </a:p>
+                  </a:txBody>
+                  <a:tcPr marL="63500" marR="63500" marT="63500" marB="63500" anchor="ctr"/>
+                </a:tc>
+                <a:tc>
+                  <a:txBody>
+                    <a:bodyPr/>
+                    <a:lstStyle/>
+                    <a:p>
+                      <a:r>
+                        <a:rPr lang="en-US" b="1">
+                          <a:effectLst/>
+                        </a:rPr>
+                        <a:t>JUnit</a:t>
+                      </a:r>
+                      <a:r>
+                        <a:rPr lang="en-US">
+                          <a:effectLst/>
+                        </a:rPr>
+                        <a:t> </a:t>
+                      </a:r>
+                    </a:p>
+                  </a:txBody>
+                  <a:tcPr marL="63500" marR="63500" marT="63500" marB="63500" anchor="ctr"/>
+                </a:tc>
+              </a:tr>
+              <a:tr h="370840">
+                <a:tc>
+                  <a:txBody>
+                    <a:bodyPr/>
+                    <a:lstStyle/>
+                    <a:p>
+                      <a:r>
+                        <a:rPr lang="en-US" dirty="0">
+                          <a:effectLst/>
+                        </a:rPr>
+                        <a:t>Specification </a:t>
+                      </a:r>
+                    </a:p>
+                  </a:txBody>
+                  <a:tcPr marL="63500" marR="63500" marT="63500" marB="63500" anchor="ctr"/>
+                </a:tc>
+                <a:tc>
+                  <a:txBody>
+                    <a:bodyPr/>
+                    <a:lstStyle/>
+                    <a:p>
+                      <a:r>
+                        <a:rPr lang="en-US">
+                          <a:effectLst/>
+                        </a:rPr>
+                        <a:t>Test class </a:t>
+                      </a:r>
+                    </a:p>
+                  </a:txBody>
+                  <a:tcPr marL="63500" marR="63500" marT="63500" marB="63500" anchor="ctr"/>
+                </a:tc>
+              </a:tr>
+              <a:tr h="370840">
+                <a:tc>
+                  <a:txBody>
+                    <a:bodyPr/>
+                    <a:lstStyle/>
+                    <a:p>
+                      <a:r>
+                        <a:rPr lang="en-US">
+                          <a:effectLst/>
+                        </a:rPr>
+                        <a:t>setup() </a:t>
+                      </a:r>
+                    </a:p>
+                  </a:txBody>
+                  <a:tcPr marL="63500" marR="63500" marT="63500" marB="63500" anchor="ctr"/>
+                </a:tc>
+                <a:tc>
+                  <a:txBody>
+                    <a:bodyPr/>
+                    <a:lstStyle/>
+                    <a:p>
+                      <a:r>
+                        <a:rPr lang="en-US">
+                          <a:effectLst/>
+                        </a:rPr>
+                        <a:t>@Before </a:t>
+                      </a:r>
+                    </a:p>
+                  </a:txBody>
+                  <a:tcPr marL="63500" marR="63500" marT="63500" marB="63500" anchor="ctr"/>
+                </a:tc>
+              </a:tr>
+              <a:tr h="370840">
+                <a:tc>
+                  <a:txBody>
+                    <a:bodyPr/>
+                    <a:lstStyle/>
+                    <a:p>
+                      <a:r>
+                        <a:rPr lang="en-US">
+                          <a:effectLst/>
+                        </a:rPr>
+                        <a:t>cleanup() </a:t>
+                      </a:r>
+                    </a:p>
+                  </a:txBody>
+                  <a:tcPr marL="63500" marR="63500" marT="63500" marB="63500" anchor="ctr"/>
+                </a:tc>
+                <a:tc>
+                  <a:txBody>
+                    <a:bodyPr/>
+                    <a:lstStyle/>
+                    <a:p>
+                      <a:r>
+                        <a:rPr lang="en-US">
+                          <a:effectLst/>
+                        </a:rPr>
+                        <a:t>@After </a:t>
+                      </a:r>
+                    </a:p>
+                  </a:txBody>
+                  <a:tcPr marL="63500" marR="63500" marT="63500" marB="63500" anchor="ctr"/>
+                </a:tc>
+              </a:tr>
+              <a:tr h="370840">
+                <a:tc>
+                  <a:txBody>
+                    <a:bodyPr/>
+                    <a:lstStyle/>
+                    <a:p>
+                      <a:r>
+                        <a:rPr lang="en-US">
+                          <a:effectLst/>
+                        </a:rPr>
+                        <a:t>setupSpec() </a:t>
+                      </a:r>
+                    </a:p>
+                  </a:txBody>
+                  <a:tcPr marL="63500" marR="63500" marT="63500" marB="63500" anchor="ctr"/>
+                </a:tc>
+                <a:tc>
+                  <a:txBody>
+                    <a:bodyPr/>
+                    <a:lstStyle/>
+                    <a:p>
+                      <a:r>
+                        <a:rPr lang="en-US">
+                          <a:effectLst/>
+                        </a:rPr>
+                        <a:t>@BeforeClass </a:t>
+                      </a:r>
+                    </a:p>
+                  </a:txBody>
+                  <a:tcPr marL="63500" marR="63500" marT="63500" marB="63500" anchor="ctr"/>
+                </a:tc>
+              </a:tr>
+              <a:tr h="370840">
+                <a:tc>
+                  <a:txBody>
+                    <a:bodyPr/>
+                    <a:lstStyle/>
+                    <a:p>
+                      <a:r>
+                        <a:rPr lang="en-US">
+                          <a:effectLst/>
+                        </a:rPr>
+                        <a:t>cleanupSpec() </a:t>
+                      </a:r>
+                    </a:p>
+                  </a:txBody>
+                  <a:tcPr marL="63500" marR="63500" marT="63500" marB="63500" anchor="ctr"/>
+                </a:tc>
+                <a:tc>
+                  <a:txBody>
+                    <a:bodyPr/>
+                    <a:lstStyle/>
+                    <a:p>
+                      <a:r>
+                        <a:rPr lang="en-US">
+                          <a:effectLst/>
+                        </a:rPr>
+                        <a:t>@AfterClass </a:t>
+                      </a:r>
+                    </a:p>
+                  </a:txBody>
+                  <a:tcPr marL="63500" marR="63500" marT="63500" marB="63500" anchor="ctr"/>
+                </a:tc>
+              </a:tr>
+              <a:tr h="370840">
+                <a:tc>
+                  <a:txBody>
+                    <a:bodyPr/>
+                    <a:lstStyle/>
+                    <a:p>
+                      <a:r>
+                        <a:rPr lang="en-US">
+                          <a:effectLst/>
+                        </a:rPr>
+                        <a:t>Feature </a:t>
+                      </a:r>
+                    </a:p>
+                  </a:txBody>
+                  <a:tcPr marL="63500" marR="63500" marT="63500" marB="63500" anchor="ctr"/>
+                </a:tc>
+                <a:tc>
+                  <a:txBody>
+                    <a:bodyPr/>
+                    <a:lstStyle/>
+                    <a:p>
+                      <a:r>
+                        <a:rPr lang="en-US">
+                          <a:effectLst/>
+                        </a:rPr>
+                        <a:t>Test </a:t>
+                      </a:r>
+                    </a:p>
+                  </a:txBody>
+                  <a:tcPr marL="63500" marR="63500" marT="63500" marB="63500" anchor="ctr"/>
+                </a:tc>
+              </a:tr>
+              <a:tr h="370840">
+                <a:tc>
+                  <a:txBody>
+                    <a:bodyPr/>
+                    <a:lstStyle/>
+                    <a:p>
+                      <a:r>
+                        <a:rPr lang="en-US">
+                          <a:effectLst/>
+                        </a:rPr>
+                        <a:t>Parameterized feature </a:t>
+                      </a:r>
+                    </a:p>
+                  </a:txBody>
+                  <a:tcPr marL="63500" marR="63500" marT="63500" marB="63500" anchor="ctr"/>
+                </a:tc>
+                <a:tc>
+                  <a:txBody>
+                    <a:bodyPr/>
+                    <a:lstStyle/>
+                    <a:p>
+                      <a:r>
+                        <a:rPr lang="en-US">
+                          <a:effectLst/>
+                        </a:rPr>
+                        <a:t>Theory </a:t>
+                      </a:r>
+                    </a:p>
+                  </a:txBody>
+                  <a:tcPr marL="63500" marR="63500" marT="63500" marB="63500" anchor="ctr"/>
+                </a:tc>
+              </a:tr>
+              <a:tr h="370840">
+                <a:tc>
+                  <a:txBody>
+                    <a:bodyPr/>
+                    <a:lstStyle/>
+                    <a:p>
+                      <a:r>
+                        <a:rPr lang="en-US">
+                          <a:effectLst/>
+                        </a:rPr>
+                        <a:t>Condition </a:t>
+                      </a:r>
+                    </a:p>
+                  </a:txBody>
+                  <a:tcPr marL="63500" marR="63500" marT="63500" marB="63500" anchor="ctr"/>
+                </a:tc>
+                <a:tc>
+                  <a:txBody>
+                    <a:bodyPr/>
+                    <a:lstStyle/>
+                    <a:p>
+                      <a:r>
+                        <a:rPr lang="en-US">
+                          <a:effectLst/>
+                        </a:rPr>
+                        <a:t>Assertion </a:t>
+                      </a:r>
+                    </a:p>
+                  </a:txBody>
+                  <a:tcPr marL="63500" marR="63500" marT="63500" marB="63500" anchor="ctr"/>
+                </a:tc>
+              </a:tr>
+              <a:tr h="370840">
+                <a:tc>
+                  <a:txBody>
+                    <a:bodyPr/>
+                    <a:lstStyle/>
+                    <a:p>
+                      <a:r>
+                        <a:rPr lang="en-US">
+                          <a:effectLst/>
+                        </a:rPr>
+                        <a:t>Exception condition </a:t>
+                      </a:r>
+                    </a:p>
+                  </a:txBody>
+                  <a:tcPr marL="63500" marR="63500" marT="63500" marB="63500" anchor="ctr"/>
+                </a:tc>
+                <a:tc>
+                  <a:txBody>
+                    <a:bodyPr/>
+                    <a:lstStyle/>
+                    <a:p>
+                      <a:r>
+                        <a:rPr lang="en-US">
+                          <a:effectLst/>
+                        </a:rPr>
+                        <a:t>@Test(expected=...) </a:t>
+                      </a:r>
+                    </a:p>
+                  </a:txBody>
+                  <a:tcPr marL="63500" marR="63500" marT="63500" marB="63500" anchor="ctr"/>
+                </a:tc>
+              </a:tr>
+              <a:tr h="370840">
+                <a:tc>
+                  <a:txBody>
+                    <a:bodyPr/>
+                    <a:lstStyle/>
+                    <a:p>
+                      <a:r>
+                        <a:rPr lang="en-US">
+                          <a:effectLst/>
+                        </a:rPr>
+                        <a:t>@FailsWith </a:t>
+                      </a:r>
+                    </a:p>
+                  </a:txBody>
+                  <a:tcPr marL="63500" marR="63500" marT="63500" marB="63500" anchor="ctr"/>
+                </a:tc>
+                <a:tc>
+                  <a:txBody>
+                    <a:bodyPr/>
+                    <a:lstStyle/>
+                    <a:p>
+                      <a:r>
+                        <a:rPr lang="en-US">
+                          <a:effectLst/>
+                        </a:rPr>
+                        <a:t>@Test(expected=...) </a:t>
+                      </a:r>
+                    </a:p>
+                  </a:txBody>
+                  <a:tcPr marL="63500" marR="63500" marT="63500" marB="63500" anchor="ctr"/>
+                </a:tc>
+              </a:tr>
+              <a:tr h="370840">
+                <a:tc>
+                  <a:txBody>
+                    <a:bodyPr/>
+                    <a:lstStyle/>
+                    <a:p>
+                      <a:r>
+                        <a:rPr lang="en-US">
+                          <a:effectLst/>
+                        </a:rPr>
+                        <a:t>Interaction </a:t>
+                      </a:r>
+                    </a:p>
+                  </a:txBody>
+                  <a:tcPr marL="63500" marR="63500" marT="63500" marB="63500" anchor="ctr"/>
+                </a:tc>
+                <a:tc>
+                  <a:txBody>
+                    <a:bodyPr/>
+                    <a:lstStyle/>
+                    <a:p>
+                      <a:r>
+                        <a:rPr lang="en-US" dirty="0">
+                          <a:effectLst/>
+                        </a:rPr>
+                        <a:t>Mock expectation (</a:t>
+                      </a:r>
+                      <a:r>
+                        <a:rPr lang="en-US" dirty="0" err="1">
+                          <a:effectLst/>
+                        </a:rPr>
+                        <a:t>EasyMock</a:t>
+                      </a:r>
+                      <a:r>
+                        <a:rPr lang="en-US" dirty="0">
+                          <a:effectLst/>
+                        </a:rPr>
+                        <a:t>, </a:t>
+                      </a:r>
+                      <a:r>
+                        <a:rPr lang="en-US" dirty="0" err="1">
+                          <a:effectLst/>
+                        </a:rPr>
+                        <a:t>JMock</a:t>
+                      </a:r>
+                      <a:r>
+                        <a:rPr lang="en-US" dirty="0">
+                          <a:effectLst/>
+                        </a:rPr>
+                        <a:t>, ...) </a:t>
+                      </a:r>
+                    </a:p>
+                  </a:txBody>
+                  <a:tcPr marL="63500" marR="63500" marT="63500" marB="63500" anchor="ctr"/>
+                </a:tc>
+              </a:tr>
+            </a:tbl>
+          </a:graphicData>
+        </a:graphic>
+      </p:graphicFrame>
+    </p:spTree>
+    <p:extLst>
+      <p:ext uri="{BB962C8B-B14F-4D97-AF65-F5344CB8AC3E}">
+        <p14:creationId xmlns:p14="http://schemas.microsoft.com/office/powerpoint/2010/main" val="2889106805"/>
+      </p:ext>
+    </p:extLst>
+  </p:cSld>
+  <p:clrMapOvr>
+    <a:masterClrMapping/>
+  </p:clrMapOvr>
+</p:sld>
+</file>
+
+<file path=ppt/slides/slide8.xml><?xml version="1.0" encoding="utf-8"?>
+<p:sld xmlns:a="http://schemas.openxmlformats.org/drawingml/2006/main" xmlns:r="http://schemas.openxmlformats.org/officeDocument/2006/relationships" xmlns:p="http://schemas.openxmlformats.org/presentationml/2006/main">
+  <p:cSld>
+    <p:spTree>
+      <p:nvGrpSpPr>
+        <p:cNvPr id="1" name=""/>
+        <p:cNvGrpSpPr/>
+        <p:nvPr/>
+      </p:nvGrpSpPr>
+      <p:grpSpPr>
+        <a:xfrm>
+          <a:off x="0" y="0"/>
+          <a:ext cx="0" cy="0"/>
+          <a:chOff x="0" y="0"/>
+          <a:chExt cx="0" cy="0"/>
+        </a:xfrm>
+      </p:grpSpPr>
+      <p:sp>
+        <p:nvSpPr>
+          <p:cNvPr id="2" name="Title 1"/>
+          <p:cNvSpPr>
+            <a:spLocks noGrp="1"/>
+          </p:cNvSpPr>
+          <p:nvPr>
+            <p:ph type="title"/>
+          </p:nvPr>
+        </p:nvSpPr>
+        <p:spPr/>
+        <p:txBody>
           <a:bodyPr/>
           <a:lstStyle/>
           <a:p>
@@ -4512,6 +6077,178 @@
     <p:extLst>
       <p:ext uri="{BB962C8B-B14F-4D97-AF65-F5344CB8AC3E}">
         <p14:creationId xmlns:p14="http://schemas.microsoft.com/office/powerpoint/2010/main" val="1487251253"/>
+      </p:ext>
+    </p:extLst>
+  </p:cSld>
+  <p:clrMapOvr>
+    <a:masterClrMapping/>
+  </p:clrMapOvr>
+</p:sld>
+</file>
+
+<file path=ppt/slides/slide9.xml><?xml version="1.0" encoding="utf-8"?>
+<p:sld xmlns:a="http://schemas.openxmlformats.org/drawingml/2006/main" xmlns:r="http://schemas.openxmlformats.org/officeDocument/2006/relationships" xmlns:p="http://schemas.openxmlformats.org/presentationml/2006/main">
+  <p:cSld>
+    <p:spTree>
+      <p:nvGrpSpPr>
+        <p:cNvPr id="1" name=""/>
+        <p:cNvGrpSpPr/>
+        <p:nvPr/>
+      </p:nvGrpSpPr>
+      <p:grpSpPr>
+        <a:xfrm>
+          <a:off x="0" y="0"/>
+          <a:ext cx="0" cy="0"/>
+          <a:chOff x="0" y="0"/>
+          <a:chExt cx="0" cy="0"/>
+        </a:xfrm>
+      </p:grpSpPr>
+      <p:sp>
+        <p:nvSpPr>
+          <p:cNvPr id="2" name="Title 1"/>
+          <p:cNvSpPr>
+            <a:spLocks noGrp="1"/>
+          </p:cNvSpPr>
+          <p:nvPr>
+            <p:ph type="title"/>
+          </p:nvPr>
+        </p:nvSpPr>
+        <p:spPr/>
+        <p:txBody>
+          <a:bodyPr>
+            <a:normAutofit fontScale="90000"/>
+          </a:bodyPr>
+          <a:lstStyle/>
+          <a:p>
+            <a:r>
+              <a:rPr lang="en-US" dirty="0" smtClean="0"/>
+              <a:t>Interactions</a:t>
+            </a:r>
+            <a:br>
+              <a:rPr lang="en-US" dirty="0" smtClean="0"/>
+            </a:br>
+            <a:r>
+              <a:rPr lang="en-US" dirty="0" smtClean="0"/>
+              <a:t>(Stubbing and Mocking)</a:t>
+            </a:r>
+            <a:endParaRPr lang="en-US" dirty="0"/>
+          </a:p>
+        </p:txBody>
+      </p:sp>
+      <p:sp>
+        <p:nvSpPr>
+          <p:cNvPr id="3" name="Content Placeholder 2"/>
+          <p:cNvSpPr>
+            <a:spLocks noGrp="1"/>
+          </p:cNvSpPr>
+          <p:nvPr>
+            <p:ph idx="1"/>
+          </p:nvPr>
+        </p:nvSpPr>
+        <p:spPr/>
+        <p:txBody>
+          <a:bodyPr>
+            <a:normAutofit lnSpcReduction="10000"/>
+          </a:bodyPr>
+          <a:lstStyle/>
+          <a:p>
+            <a:r>
+              <a:rPr lang="en-US" dirty="0" smtClean="0"/>
+              <a:t>Spock has it’s own mocking/stubbing</a:t>
+            </a:r>
+          </a:p>
+          <a:p>
+            <a:pPr lvl="1"/>
+            <a:r>
+              <a:rPr lang="en-US" dirty="0" smtClean="0"/>
+              <a:t>Why?</a:t>
+            </a:r>
+          </a:p>
+          <a:p>
+            <a:pPr lvl="2"/>
+            <a:r>
+              <a:rPr lang="en-US" dirty="0" smtClean="0"/>
+              <a:t>Desire for flexible DSL for describing interactions</a:t>
+            </a:r>
+          </a:p>
+          <a:p>
+            <a:pPr lvl="2"/>
+            <a:r>
+              <a:rPr lang="en-US" dirty="0" smtClean="0"/>
+              <a:t>Goal of being able to specify enough but avoid being extremely specific resulting in fragile tests</a:t>
+            </a:r>
+          </a:p>
+          <a:p>
+            <a:pPr lvl="1"/>
+            <a:r>
+              <a:rPr lang="en-US" dirty="0" smtClean="0"/>
+              <a:t>Mocks are lenient</a:t>
+            </a:r>
+          </a:p>
+          <a:p>
+            <a:pPr lvl="2"/>
+            <a:r>
+              <a:rPr lang="en-US" dirty="0" smtClean="0"/>
+              <a:t>If </a:t>
+            </a:r>
+            <a:r>
+              <a:rPr lang="en-US" dirty="0"/>
+              <a:t>a method call does not match any interaction, the default value for the method's return type is </a:t>
+            </a:r>
+            <a:r>
+              <a:rPr lang="en-US" dirty="0" smtClean="0"/>
+              <a:t>returned</a:t>
+            </a:r>
+          </a:p>
+          <a:p>
+            <a:r>
+              <a:rPr lang="en-US" dirty="0" smtClean="0"/>
+              <a:t>Spock combines mocking and stubbing</a:t>
+            </a:r>
+          </a:p>
+          <a:p>
+            <a:r>
+              <a:rPr lang="en-US" dirty="0"/>
+              <a:t>Docs: </a:t>
+            </a:r>
+            <a:r>
+              <a:rPr lang="en-US" sz="2200" dirty="0">
+                <a:hlinkClick r:id="rId2"/>
+              </a:rPr>
+              <a:t>http://</a:t>
+            </a:r>
+            <a:r>
+              <a:rPr lang="en-US" sz="2200" dirty="0" err="1">
+                <a:hlinkClick r:id="rId2"/>
+              </a:rPr>
+              <a:t>code.google.com</a:t>
+            </a:r>
+            <a:r>
+              <a:rPr lang="en-US" sz="2200" dirty="0">
+                <a:hlinkClick r:id="rId2"/>
+              </a:rPr>
+              <a:t>/p/</a:t>
+            </a:r>
+            <a:r>
+              <a:rPr lang="en-US" sz="2200" dirty="0" err="1">
+                <a:hlinkClick r:id="rId2"/>
+              </a:rPr>
+              <a:t>spock</a:t>
+            </a:r>
+            <a:r>
+              <a:rPr lang="en-US" sz="2200" dirty="0">
+                <a:hlinkClick r:id="rId2"/>
+              </a:rPr>
+              <a:t>/wiki/Interactions</a:t>
+            </a:r>
+            <a:endParaRPr lang="en-US" sz="2200" dirty="0" smtClean="0"/>
+          </a:p>
+        </p:txBody>
+      </p:sp>
+    </p:spTree>
+    <p:extLst>
+      <p:ext uri="{BB962C8B-B14F-4D97-AF65-F5344CB8AC3E}">
+        <p14:creationId xmlns:p14="http://schemas.microsoft.com/office/powerpoint/2010/main" val="3126680623"/>
       </p:ext>
     </p:extLst>
   </p:cSld>
@@ -4845,4 +6582,324 @@
   </a:objectDefaults>
   <a:extraClrSchemeLst/>
 </a:theme>
+</file>
+
+<file path=ppt/theme/theme2.xml><?xml version="1.0" encoding="utf-8"?>
+<a:theme xmlns:a="http://schemas.openxmlformats.org/drawingml/2006/main" name="Office Theme">
+  <a:themeElements>
+    <a:clrScheme name="Office">
+      <a:dk1>
+        <a:sysClr val="windowText" lastClr="000000"/>
+      </a:dk1>
+      <a:lt1>
+        <a:sysClr val="window" lastClr="FFFFFF"/>
+      </a:lt1>
+      <a:dk2>
+        <a:srgbClr val="1F497D"/>
+      </a:dk2>
+      <a:lt2>
+        <a:srgbClr val="EEECE1"/>
+      </a:lt2>
+      <a:accent1>
+        <a:srgbClr val="4F81BD"/>
+      </a:accent1>
+      <a:accent2>
+        <a:srgbClr val="C0504D"/>
+      </a:accent2>
+      <a:accent3>
+        <a:srgbClr val="9BBB59"/>
+      </a:accent3>
+      <a:accent4>
+        <a:srgbClr val="8064A2"/>
+      </a:accent4>
+      <a:accent5>
+        <a:srgbClr val="4BACC6"/>
+      </a:accent5>
+      <a:accent6>
+        <a:srgbClr val="F79646"/>
+      </a:accent6>
+      <a:hlink>
+        <a:srgbClr val="0000FF"/>
+      </a:hlink>
+      <a:folHlink>
+        <a:srgbClr val="800080"/>
+      </a:folHlink>
+    </a:clrScheme>
+    <a:fontScheme name="Office">
+      <a:majorFont>
+        <a:latin typeface="Calibri"/>
+        <a:ea typeface=""/>
+        <a:cs typeface=""/>
+        <a:font script="Jpan" typeface="ＭＳ Ｐゴシック"/>
+        <a:font script="Hang" typeface="맑은 고딕"/>
+        <a:font script="Hans" typeface="宋体"/>
+        <a:font script="Hant" typeface="新細明體"/>
+        <a:font script="Arab" typeface="Times New Roman"/>
+        <a:font script="Hebr" typeface="Times New Roman"/>
+        <a:font script="Thai" typeface="Angsana New"/>
+        <a:font script="Ethi" typeface="Nyala"/>
+        <a:font script="Beng" typeface="Vrinda"/>
+        <a:font script="Gujr" typeface="Shruti"/>
+        <a:font script="Khmr" typeface="MoolBoran"/>
+        <a:font script="Knda" typeface="Tunga"/>
+        <a:font script="Guru" typeface="Raavi"/>
+        <a:font script="Cans" typeface="Euphemia"/>
+        <a:font script="Cher" typeface="Plantagenet Cherokee"/>
+        <a:font script="Yiii" typeface="Microsoft Yi Baiti"/>
+        <a:font script="Tibt" typeface="Microsoft Himalaya"/>
+        <a:font script="Thaa" typeface="MV Boli"/>
+        <a:font script="Deva" typeface="Mangal"/>
+        <a:font script="Telu" typeface="Gautami"/>
+        <a:font script="Taml" typeface="Latha"/>
+        <a:font script="Syrc" typeface="Estrangelo Edessa"/>
+        <a:font script="Orya" typeface="Kalinga"/>
+        <a:font script="Mlym" typeface="Kartika"/>
+        <a:font script="Laoo" typeface="DokChampa"/>
+        <a:font script="Sinh" typeface="Iskoola Pota"/>
+        <a:font script="Mong" typeface="Mongolian Baiti"/>
+        <a:font script="Viet" typeface="Times New Roman"/>
+        <a:font script="Uigh" typeface="Microsoft Uighur"/>
+        <a:font script="Geor" typeface="Sylfaen"/>
+      </a:majorFont>
+      <a:minorFont>
+        <a:latin typeface="Calibri"/>
+        <a:ea typeface=""/>
+        <a:cs typeface=""/>
+        <a:font script="Jpan" typeface="ＭＳ Ｐゴシック"/>
+        <a:font script="Hang" typeface="맑은 고딕"/>
+        <a:font script="Hans" typeface="宋体"/>
+        <a:font script="Hant" typeface="新細明體"/>
+        <a:font script="Arab" typeface="Arial"/>
+        <a:font script="Hebr" typeface="Arial"/>
+        <a:font script="Thai" typeface="Cordia New"/>
+        <a:font script="Ethi" typeface="Nyala"/>
+        <a:font script="Beng" typeface="Vrinda"/>
+        <a:font script="Gujr" typeface="Shruti"/>
+        <a:font script="Khmr" typeface="DaunPenh"/>
+        <a:font script="Knda" typeface="Tunga"/>
+        <a:font script="Guru" typeface="Raavi"/>
+        <a:font script="Cans" typeface="Euphemia"/>
+        <a:font script="Cher" typeface="Plantagenet Cherokee"/>
+        <a:font script="Yiii" typeface="Microsoft Yi Baiti"/>
+        <a:font script="Tibt" typeface="Microsoft Himalaya"/>
+        <a:font script="Thaa" typeface="MV Boli"/>
+        <a:font script="Deva" typeface="Mangal"/>
+        <a:font script="Telu" typeface="Gautami"/>
+        <a:font script="Taml" typeface="Latha"/>
+        <a:font script="Syrc" typeface="Estrangelo Edessa"/>
+        <a:font script="Orya" typeface="Kalinga"/>
+        <a:font script="Mlym" typeface="Kartika"/>
+        <a:font script="Laoo" typeface="DokChampa"/>
+        <a:font script="Sinh" typeface="Iskoola Pota"/>
+        <a:font script="Mong" typeface="Mongolian Baiti"/>
+        <a:font script="Viet" typeface="Arial"/>
+        <a:font script="Uigh" typeface="Microsoft Uighur"/>
+        <a:font script="Geor" typeface="Sylfaen"/>
+      </a:minorFont>
+    </a:fontScheme>
+    <a:fmtScheme name="Office">
+      <a:fillStyleLst>
+        <a:solidFill>
+          <a:schemeClr val="phClr"/>
+        </a:solidFill>
+        <a:gradFill rotWithShape="1">
+          <a:gsLst>
+            <a:gs pos="0">
+              <a:schemeClr val="phClr">
+                <a:tint val="50000"/>
+                <a:satMod val="300000"/>
+              </a:schemeClr>
+            </a:gs>
+            <a:gs pos="35000">
+              <a:schemeClr val="phClr">
+                <a:tint val="37000"/>
+                <a:satMod val="300000"/>
+              </a:schemeClr>
+            </a:gs>
+            <a:gs pos="100000">
+              <a:schemeClr val="phClr">
+                <a:tint val="15000"/>
+                <a:satMod val="350000"/>
+              </a:schemeClr>
+            </a:gs>
+          </a:gsLst>
+          <a:lin ang="16200000" scaled="1"/>
+        </a:gradFill>
+        <a:gradFill rotWithShape="1">
+          <a:gsLst>
+            <a:gs pos="0">
+              <a:schemeClr val="phClr">
+                <a:tint val="100000"/>
+                <a:shade val="100000"/>
+                <a:satMod val="130000"/>
+              </a:schemeClr>
+            </a:gs>
+            <a:gs pos="100000">
+              <a:schemeClr val="phClr">
+                <a:tint val="50000"/>
+                <a:shade val="100000"/>
+                <a:satMod val="350000"/>
+              </a:schemeClr>
+            </a:gs>
+          </a:gsLst>
+          <a:lin ang="16200000" scaled="0"/>
+        </a:gradFill>
+      </a:fillStyleLst>
+      <a:lnStyleLst>
+        <a:ln w="9525" cap="flat" cmpd="sng" algn="ctr">
+          <a:solidFill>
+            <a:schemeClr val="phClr">
+              <a:shade val="95000"/>
+              <a:satMod val="105000"/>
+            </a:schemeClr>
+          </a:solidFill>
+          <a:prstDash val="solid"/>
+        </a:ln>
+        <a:ln w="25400" cap="flat" cmpd="sng" algn="ctr">
+          <a:solidFill>
+            <a:schemeClr val="phClr"/>
+          </a:solidFill>
+          <a:prstDash val="solid"/>
+        </a:ln>
+        <a:ln w="38100" cap="flat" cmpd="sng" algn="ctr">
+          <a:solidFill>
+            <a:schemeClr val="phClr"/>
+          </a:solidFill>
+          <a:prstDash val="solid"/>
+        </a:ln>
+      </a:lnStyleLst>
+      <a:effectStyleLst>
+        <a:effectStyle>
+          <a:effectLst>
+            <a:outerShdw blurRad="40000" dist="20000" dir="5400000" rotWithShape="0">
+              <a:srgbClr val="000000">
+                <a:alpha val="38000"/>
+              </a:srgbClr>
+            </a:outerShdw>
+          </a:effectLst>
+        </a:effectStyle>
+        <a:effectStyle>
+          <a:effectLst>
+            <a:outerShdw blurRad="40000" dist="23000" dir="5400000" rotWithShape="0">
+              <a:srgbClr val="000000">
+                <a:alpha val="35000"/>
+              </a:srgbClr>
+            </a:outerShdw>
+          </a:effectLst>
+        </a:effectStyle>
+        <a:effectStyle>
+          <a:effectLst>
+            <a:outerShdw blurRad="40000" dist="23000" dir="5400000" rotWithShape="0">
+              <a:srgbClr val="000000">
+                <a:alpha val="35000"/>
+              </a:srgbClr>
+            </a:outerShdw>
+          </a:effectLst>
+          <a:scene3d>
+            <a:camera prst="orthographicFront">
+              <a:rot lat="0" lon="0" rev="0"/>
+            </a:camera>
+            <a:lightRig rig="threePt" dir="t">
+              <a:rot lat="0" lon="0" rev="1200000"/>
+            </a:lightRig>
+          </a:scene3d>
+          <a:sp3d>
+            <a:bevelT w="63500" h="25400"/>
+          </a:sp3d>
+        </a:effectStyle>
+      </a:effectStyleLst>
+      <a:bgFillStyleLst>
+        <a:solidFill>
+          <a:schemeClr val="phClr"/>
+        </a:solidFill>
+        <a:gradFill rotWithShape="1">
+          <a:gsLst>
+            <a:gs pos="0">
+              <a:schemeClr val="phClr">
+                <a:tint val="40000"/>
+                <a:satMod val="350000"/>
+              </a:schemeClr>
+            </a:gs>
+            <a:gs pos="40000">
+              <a:schemeClr val="phClr">
+                <a:tint val="45000"/>
+                <a:shade val="99000"/>
+                <a:satMod val="350000"/>
+              </a:schemeClr>
+            </a:gs>
+            <a:gs pos="100000">
+              <a:schemeClr val="phClr">
+                <a:shade val="20000"/>
+                <a:satMod val="255000"/>
+              </a:schemeClr>
+            </a:gs>
+          </a:gsLst>
+          <a:path path="circle">
+            <a:fillToRect l="50000" t="-80000" r="50000" b="180000"/>
+          </a:path>
+        </a:gradFill>
+        <a:gradFill rotWithShape="1">
+          <a:gsLst>
+            <a:gs pos="0">
+              <a:schemeClr val="phClr">
+                <a:tint val="80000"/>
+                <a:satMod val="300000"/>
+              </a:schemeClr>
+            </a:gs>
+            <a:gs pos="100000">
+              <a:schemeClr val="phClr">
+                <a:shade val="30000"/>
+                <a:satMod val="200000"/>
+              </a:schemeClr>
+            </a:gs>
+          </a:gsLst>
+          <a:path path="circle">
+            <a:fillToRect l="50000" t="50000" r="50000" b="50000"/>
+          </a:path>
+        </a:gradFill>
+      </a:bgFillStyleLst>
+    </a:fmtScheme>
+  </a:themeElements>
+  <a:objectDefaults>
+    <a:spDef>
+      <a:spPr/>
+      <a:bodyPr/>
+      <a:lstStyle/>
+      <a:style>
+        <a:lnRef idx="1">
+          <a:schemeClr val="accent1"/>
+        </a:lnRef>
+        <a:fillRef idx="3">
+          <a:schemeClr val="accent1"/>
+        </a:fillRef>
+        <a:effectRef idx="2">
+          <a:schemeClr val="accent1"/>
+        </a:effectRef>
+        <a:fontRef idx="minor">
+          <a:schemeClr val="lt1"/>
+        </a:fontRef>
+      </a:style>
+    </a:spDef>
+    <a:lnDef>
+      <a:spPr/>
+      <a:bodyPr/>
+      <a:lstStyle/>
+      <a:style>
+        <a:lnRef idx="2">
+          <a:schemeClr val="accent1"/>
+        </a:lnRef>
+        <a:fillRef idx="0">
+          <a:schemeClr val="accent1"/>
+        </a:fillRef>
+        <a:effectRef idx="1">
+          <a:schemeClr val="accent1"/>
+        </a:effectRef>
+        <a:fontRef idx="minor">
+          <a:schemeClr val="tx1"/>
+        </a:fontRef>
+      </a:style>
+    </a:lnDef>
+  </a:objectDefaults>
+  <a:extraClrSchemeLst/>
+</a:theme>
 </file>
--- a/BGUG-Spock.pptx
+++ b/BGUG-Spock.pptx
@@ -5,7 +5,7 @@
     <p:sldMasterId id="2147483660" r:id="rId1"/>
   </p:sldMasterIdLst>
   <p:notesMasterIdLst>
-    <p:notesMasterId r:id="rId14"/>
+    <p:notesMasterId r:id="rId13"/>
   </p:notesMasterIdLst>
   <p:sldIdLst>
     <p:sldId id="256" r:id="rId2"/>
@@ -19,7 +19,6 @@
     <p:sldId id="262" r:id="rId10"/>
     <p:sldId id="265" r:id="rId11"/>
     <p:sldId id="266" r:id="rId12"/>
-    <p:sldId id="267" r:id="rId13"/>
   </p:sldIdLst>
   <p:sldSz cx="9144000" cy="6858000" type="screen4x3"/>
   <p:notesSz cx="6858000" cy="9144000"/>
@@ -4462,6 +4461,13 @@
   <p:clrMapOvr>
     <a:masterClrMapping/>
   </p:clrMapOvr>
+  <p:timing>
+    <p:tnLst>
+      <p:par>
+        <p:cTn xmlns:p14="http://schemas.microsoft.com/office/powerpoint/2010/main" id="1" dur="indefinite" restart="never" nodeType="tmRoot"/>
+      </p:par>
+    </p:tnLst>
+  </p:timing>
 </p:sld>
 </file>
 
@@ -4624,36 +4630,13 @@
   <p:clrMapOvr>
     <a:masterClrMapping/>
   </p:clrMapOvr>
-</p:sld>
-</file>
-
-<file path=ppt/slides/slide12.xml><?xml version="1.0" encoding="utf-8"?>
-<p:sld xmlns:a="http://schemas.openxmlformats.org/drawingml/2006/main" xmlns:r="http://schemas.openxmlformats.org/officeDocument/2006/relationships" xmlns:p="http://schemas.openxmlformats.org/presentationml/2006/main">
-  <p:cSld>
-    <p:spTree>
-      <p:nvGrpSpPr>
-        <p:cNvPr id="1" name=""/>
-        <p:cNvGrpSpPr/>
-        <p:nvPr/>
-      </p:nvGrpSpPr>
-      <p:grpSpPr>
-        <a:xfrm>
-          <a:off x="0" y="0"/>
-          <a:ext cx="0" cy="0"/>
-          <a:chOff x="0" y="0"/>
-          <a:chExt cx="0" cy="0"/>
-        </a:xfrm>
-      </p:grpSpPr>
-    </p:spTree>
-    <p:extLst>
-      <p:ext uri="{BB962C8B-B14F-4D97-AF65-F5344CB8AC3E}">
-        <p14:creationId xmlns:p14="http://schemas.microsoft.com/office/powerpoint/2010/main" val="2576121680"/>
-      </p:ext>
-    </p:extLst>
-  </p:cSld>
-  <p:clrMapOvr>
-    <a:masterClrMapping/>
-  </p:clrMapOvr>
+  <p:timing>
+    <p:tnLst>
+      <p:par>
+        <p:cTn xmlns:p14="http://schemas.microsoft.com/office/powerpoint/2010/main" id="1" dur="indefinite" restart="never" nodeType="tmRoot"/>
+      </p:par>
+    </p:tnLst>
+  </p:timing>
 </p:sld>
 </file>
 
@@ -4775,6 +4758,13 @@
   <p:clrMapOvr>
     <a:masterClrMapping/>
   </p:clrMapOvr>
+  <p:timing>
+    <p:tnLst>
+      <p:par>
+        <p:cTn xmlns:p14="http://schemas.microsoft.com/office/powerpoint/2010/main" id="1" dur="indefinite" restart="never" nodeType="tmRoot"/>
+      </p:par>
+    </p:tnLst>
+  </p:timing>
 </p:sld>
 </file>
 
@@ -5057,13 +5047,8 @@
             <a:pPr lvl="1"/>
             <a:r>
               <a:rPr lang="en-US" dirty="0" smtClean="0"/>
-              <a:t>Check it’s </a:t>
-            </a:r>
-            <a:r>
-              <a:rPr lang="en-US" dirty="0" smtClean="0"/>
-              <a:t>state</a:t>
-            </a:r>
-            <a:endParaRPr lang="en-US" dirty="0" smtClean="0"/>
+              <a:t>Check it’s state</a:t>
+            </a:r>
           </a:p>
         </p:txBody>
       </p:sp>
@@ -5272,6 +5257,13 @@
   <p:clrMapOvr>
     <a:masterClrMapping/>
   </p:clrMapOvr>
+  <p:timing>
+    <p:tnLst>
+      <p:par>
+        <p:cTn xmlns:p14="http://schemas.microsoft.com/office/powerpoint/2010/main" id="1" dur="indefinite" restart="never" nodeType="tmRoot"/>
+      </p:par>
+    </p:tnLst>
+  </p:timing>
 </p:sld>
 </file>
 
@@ -5437,11 +5429,7 @@
             </a:r>
             <a:r>
               <a:rPr lang="en-US" dirty="0" smtClean="0"/>
-              <a:t> Comparison </a:t>
-            </a:r>
-            <a:r>
-              <a:rPr lang="en-US" dirty="0" smtClean="0"/>
-              <a:t>to </a:t>
+              <a:t> Comparison to </a:t>
             </a:r>
             <a:r>
               <a:rPr lang="en-US" dirty="0" err="1" smtClean="0"/>
@@ -5914,6 +5902,13 @@
   <p:clrMapOvr>
     <a:masterClrMapping/>
   </p:clrMapOvr>
+  <p:timing>
+    <p:tnLst>
+      <p:par>
+        <p:cTn xmlns:p14="http://schemas.microsoft.com/office/powerpoint/2010/main" id="1" dur="indefinite" restart="never" nodeType="tmRoot"/>
+      </p:par>
+    </p:tnLst>
+  </p:timing>
 </p:sld>
 </file>
 
@@ -6083,6 +6078,13 @@
   <p:clrMapOvr>
     <a:masterClrMapping/>
   </p:clrMapOvr>
+  <p:timing>
+    <p:tnLst>
+      <p:par>
+        <p:cTn xmlns:p14="http://schemas.microsoft.com/office/powerpoint/2010/main" id="1" dur="indefinite" restart="never" nodeType="tmRoot"/>
+      </p:par>
+    </p:tnLst>
+  </p:timing>
 </p:sld>
 </file>
 
@@ -6255,6 +6257,13 @@
   <p:clrMapOvr>
     <a:masterClrMapping/>
   </p:clrMapOvr>
+  <p:timing>
+    <p:tnLst>
+      <p:par>
+        <p:cTn xmlns:p14="http://schemas.microsoft.com/office/powerpoint/2010/main" id="1" dur="indefinite" restart="never" nodeType="tmRoot"/>
+      </p:par>
+    </p:tnLst>
+  </p:timing>
 </p:sld>
 </file>
 
